--- a/lectures/02-threads-synchronization.pptx
+++ b/lectures/02-threads-synchronization.pptx
@@ -5,7 +5,7 @@
     <p:sldMasterId id="2147483648" r:id="rId4"/>
   </p:sldMasterIdLst>
   <p:notesMasterIdLst>
-    <p:notesMasterId r:id="rId53"/>
+    <p:notesMasterId r:id="rId51"/>
   </p:notesMasterIdLst>
   <p:sldIdLst>
     <p:sldId id="256" r:id="rId5"/>
@@ -16,46 +16,44 @@
     <p:sldId id="262" r:id="rId10"/>
     <p:sldId id="263" r:id="rId11"/>
     <p:sldId id="264" r:id="rId12"/>
-    <p:sldId id="265" r:id="rId13"/>
-    <p:sldId id="266" r:id="rId14"/>
-    <p:sldId id="267" r:id="rId15"/>
-    <p:sldId id="268" r:id="rId16"/>
-    <p:sldId id="269" r:id="rId17"/>
-    <p:sldId id="271" r:id="rId18"/>
-    <p:sldId id="272" r:id="rId19"/>
-    <p:sldId id="273" r:id="rId20"/>
-    <p:sldId id="274" r:id="rId21"/>
-    <p:sldId id="275" r:id="rId22"/>
-    <p:sldId id="276" r:id="rId23"/>
-    <p:sldId id="278" r:id="rId24"/>
-    <p:sldId id="279" r:id="rId25"/>
-    <p:sldId id="280" r:id="rId26"/>
-    <p:sldId id="300" r:id="rId27"/>
-    <p:sldId id="304" r:id="rId28"/>
-    <p:sldId id="301" r:id="rId29"/>
-    <p:sldId id="302" r:id="rId30"/>
-    <p:sldId id="303" r:id="rId31"/>
-    <p:sldId id="306" r:id="rId32"/>
-    <p:sldId id="307" r:id="rId33"/>
-    <p:sldId id="308" r:id="rId34"/>
-    <p:sldId id="309" r:id="rId35"/>
-    <p:sldId id="310" r:id="rId36"/>
-    <p:sldId id="311" r:id="rId37"/>
-    <p:sldId id="312" r:id="rId38"/>
-    <p:sldId id="313" r:id="rId39"/>
-    <p:sldId id="314" r:id="rId40"/>
-    <p:sldId id="315" r:id="rId41"/>
-    <p:sldId id="316" r:id="rId42"/>
-    <p:sldId id="317" r:id="rId43"/>
-    <p:sldId id="318" r:id="rId44"/>
-    <p:sldId id="319" r:id="rId45"/>
-    <p:sldId id="320" r:id="rId46"/>
-    <p:sldId id="321" r:id="rId47"/>
-    <p:sldId id="322" r:id="rId48"/>
-    <p:sldId id="323" r:id="rId49"/>
-    <p:sldId id="324" r:id="rId50"/>
-    <p:sldId id="325" r:id="rId51"/>
-    <p:sldId id="326" r:id="rId52"/>
+    <p:sldId id="266" r:id="rId13"/>
+    <p:sldId id="267" r:id="rId14"/>
+    <p:sldId id="268" r:id="rId15"/>
+    <p:sldId id="271" r:id="rId16"/>
+    <p:sldId id="272" r:id="rId17"/>
+    <p:sldId id="273" r:id="rId18"/>
+    <p:sldId id="274" r:id="rId19"/>
+    <p:sldId id="275" r:id="rId20"/>
+    <p:sldId id="276" r:id="rId21"/>
+    <p:sldId id="278" r:id="rId22"/>
+    <p:sldId id="279" r:id="rId23"/>
+    <p:sldId id="280" r:id="rId24"/>
+    <p:sldId id="300" r:id="rId25"/>
+    <p:sldId id="304" r:id="rId26"/>
+    <p:sldId id="301" r:id="rId27"/>
+    <p:sldId id="302" r:id="rId28"/>
+    <p:sldId id="303" r:id="rId29"/>
+    <p:sldId id="306" r:id="rId30"/>
+    <p:sldId id="307" r:id="rId31"/>
+    <p:sldId id="308" r:id="rId32"/>
+    <p:sldId id="309" r:id="rId33"/>
+    <p:sldId id="310" r:id="rId34"/>
+    <p:sldId id="311" r:id="rId35"/>
+    <p:sldId id="312" r:id="rId36"/>
+    <p:sldId id="313" r:id="rId37"/>
+    <p:sldId id="314" r:id="rId38"/>
+    <p:sldId id="315" r:id="rId39"/>
+    <p:sldId id="316" r:id="rId40"/>
+    <p:sldId id="317" r:id="rId41"/>
+    <p:sldId id="318" r:id="rId42"/>
+    <p:sldId id="319" r:id="rId43"/>
+    <p:sldId id="320" r:id="rId44"/>
+    <p:sldId id="321" r:id="rId45"/>
+    <p:sldId id="322" r:id="rId46"/>
+    <p:sldId id="323" r:id="rId47"/>
+    <p:sldId id="324" r:id="rId48"/>
+    <p:sldId id="325" r:id="rId49"/>
+    <p:sldId id="326" r:id="rId50"/>
   </p:sldIdLst>
   <p:sldSz cx="9144000" cy="6858000" type="screen4x3"/>
   <p:notesSz cx="6858000" cy="9144000"/>
@@ -681,7 +679,7 @@
     </p:spTree>
     <p:extLst>
       <p:ext uri="{BB962C8B-B14F-4D97-AF65-F5344CB8AC3E}">
-        <p14:creationId xmlns:p14="http://schemas.microsoft.com/office/powerpoint/2010/main" val="3438087143"/>
+        <p14:creationId xmlns:p14="http://schemas.microsoft.com/office/powerpoint/2010/main" val="3666972550"/>
       </p:ext>
     </p:extLst>
   </p:cSld>
@@ -765,7 +763,7 @@
     </p:spTree>
     <p:extLst>
       <p:ext uri="{BB962C8B-B14F-4D97-AF65-F5344CB8AC3E}">
-        <p14:creationId xmlns:p14="http://schemas.microsoft.com/office/powerpoint/2010/main" val="3666972550"/>
+        <p14:creationId xmlns:p14="http://schemas.microsoft.com/office/powerpoint/2010/main" val="3488508707"/>
       </p:ext>
     </p:extLst>
   </p:cSld>
@@ -849,7 +847,7 @@
     </p:spTree>
     <p:extLst>
       <p:ext uri="{BB962C8B-B14F-4D97-AF65-F5344CB8AC3E}">
-        <p14:creationId xmlns:p14="http://schemas.microsoft.com/office/powerpoint/2010/main" val="3632091835"/>
+        <p14:creationId xmlns:p14="http://schemas.microsoft.com/office/powerpoint/2010/main" val="1368299135"/>
       </p:ext>
     </p:extLst>
   </p:cSld>
@@ -933,7 +931,7 @@
     </p:spTree>
     <p:extLst>
       <p:ext uri="{BB962C8B-B14F-4D97-AF65-F5344CB8AC3E}">
-        <p14:creationId xmlns:p14="http://schemas.microsoft.com/office/powerpoint/2010/main" val="3488508707"/>
+        <p14:creationId xmlns:p14="http://schemas.microsoft.com/office/powerpoint/2010/main" val="3610732122"/>
       </p:ext>
     </p:extLst>
   </p:cSld>
@@ -1017,7 +1015,7 @@
     </p:spTree>
     <p:extLst>
       <p:ext uri="{BB962C8B-B14F-4D97-AF65-F5344CB8AC3E}">
-        <p14:creationId xmlns:p14="http://schemas.microsoft.com/office/powerpoint/2010/main" val="1368299135"/>
+        <p14:creationId xmlns:p14="http://schemas.microsoft.com/office/powerpoint/2010/main" val="1031749067"/>
       </p:ext>
     </p:extLst>
   </p:cSld>
@@ -1092,7 +1090,7 @@
           <a:p>
             <a:fld id="{E6238721-3839-4B86-B82B-B15CA01668A5}" type="slidenum">
               <a:rPr lang="en-US" smtClean="0"/>
-              <a:t>16</a:t>
+              <a:t>18</a:t>
             </a:fld>
             <a:endParaRPr lang="en-US"/>
           </a:p>
@@ -1101,7 +1099,7 @@
     </p:spTree>
     <p:extLst>
       <p:ext uri="{BB962C8B-B14F-4D97-AF65-F5344CB8AC3E}">
-        <p14:creationId xmlns:p14="http://schemas.microsoft.com/office/powerpoint/2010/main" val="3610732122"/>
+        <p14:creationId xmlns:p14="http://schemas.microsoft.com/office/powerpoint/2010/main" val="1440578481"/>
       </p:ext>
     </p:extLst>
   </p:cSld>
@@ -1176,7 +1174,7 @@
           <a:p>
             <a:fld id="{E6238721-3839-4B86-B82B-B15CA01668A5}" type="slidenum">
               <a:rPr lang="en-US" smtClean="0"/>
-              <a:t>17</a:t>
+              <a:t>19</a:t>
             </a:fld>
             <a:endParaRPr lang="en-US"/>
           </a:p>
@@ -1185,7 +1183,7 @@
     </p:spTree>
     <p:extLst>
       <p:ext uri="{BB962C8B-B14F-4D97-AF65-F5344CB8AC3E}">
-        <p14:creationId xmlns:p14="http://schemas.microsoft.com/office/powerpoint/2010/main" val="1031749067"/>
+        <p14:creationId xmlns:p14="http://schemas.microsoft.com/office/powerpoint/2010/main" val="3393445468"/>
       </p:ext>
     </p:extLst>
   </p:cSld>
@@ -1269,7 +1267,7 @@
     </p:spTree>
     <p:extLst>
       <p:ext uri="{BB962C8B-B14F-4D97-AF65-F5344CB8AC3E}">
-        <p14:creationId xmlns:p14="http://schemas.microsoft.com/office/powerpoint/2010/main" val="1440578481"/>
+        <p14:creationId xmlns:p14="http://schemas.microsoft.com/office/powerpoint/2010/main" val="3140913564"/>
       </p:ext>
     </p:extLst>
   </p:cSld>
@@ -1353,7 +1351,7 @@
     </p:spTree>
     <p:extLst>
       <p:ext uri="{BB962C8B-B14F-4D97-AF65-F5344CB8AC3E}">
-        <p14:creationId xmlns:p14="http://schemas.microsoft.com/office/powerpoint/2010/main" val="3393445468"/>
+        <p14:creationId xmlns:p14="http://schemas.microsoft.com/office/powerpoint/2010/main" val="4178677231"/>
       </p:ext>
     </p:extLst>
   </p:cSld>
@@ -1437,7 +1435,7 @@
     </p:spTree>
     <p:extLst>
       <p:ext uri="{BB962C8B-B14F-4D97-AF65-F5344CB8AC3E}">
-        <p14:creationId xmlns:p14="http://schemas.microsoft.com/office/powerpoint/2010/main" val="3140913564"/>
+        <p14:creationId xmlns:p14="http://schemas.microsoft.com/office/powerpoint/2010/main" val="2534251745"/>
       </p:ext>
     </p:extLst>
   </p:cSld>
@@ -1572,30 +1570,99 @@
         </p:nvSpPr>
         <p:spPr/>
         <p:txBody>
+          <a:bodyPr>
+            <a:normAutofit/>
+          </a:bodyPr>
+          <a:lstStyle/>
+          <a:p>
+            <a:r>
+              <a:rPr lang="en-US" dirty="0" smtClean="0"/>
+              <a:t>Processes were invented as single thread entities</a:t>
+            </a:r>
+          </a:p>
+          <a:p>
+            <a:r>
+              <a:rPr lang="en-US" dirty="0" smtClean="0"/>
+              <a:t>Parallelism between processes</a:t>
+            </a:r>
+          </a:p>
+          <a:p>
+            <a:r>
+              <a:rPr lang="en-US" dirty="0" smtClean="0"/>
+              <a:t>Offers protection</a:t>
+            </a:r>
+          </a:p>
+          <a:p>
+            <a:r>
+              <a:rPr lang="en-US" dirty="0" smtClean="0"/>
+              <a:t>Which makes (single threaded) processes inefficient as a means for many threads working together on same task</a:t>
+            </a:r>
+          </a:p>
+          <a:p>
+            <a:r>
+              <a:rPr lang="en-US" dirty="0" smtClean="0"/>
+              <a:t>Multiple threads within single processes offer the potential of efficient cooperation between threads working in parallel</a:t>
+            </a:r>
+          </a:p>
+          <a:p>
+            <a:r>
+              <a:rPr lang="en-US" dirty="0" smtClean="0"/>
+              <a:t>We assume threads within same process all are “friendly” and want to work together.</a:t>
+            </a:r>
+          </a:p>
+          <a:p>
+            <a:r>
+              <a:rPr lang="en-US" dirty="0" smtClean="0"/>
+              <a:t>Process still offers protection between threads in different processes. </a:t>
+            </a:r>
+          </a:p>
+          <a:p>
+            <a:r>
+              <a:rPr lang="en-US" dirty="0" smtClean="0"/>
+              <a:t>“Lightweight processes” was a term that is descriptive of what one wanted. But possibly misleading as to what threads actually are.</a:t>
+            </a:r>
+          </a:p>
+          <a:p>
+            <a:r>
+              <a:rPr lang="en-US" dirty="0" smtClean="0"/>
+              <a:t>So, how “light” should a thread be? What information should we keep per thread, and what per process?</a:t>
+            </a:r>
+          </a:p>
+          <a:p>
+            <a:r>
+              <a:rPr lang="en-US" dirty="0" smtClean="0"/>
+              <a:t>Need: Switching between threads as we already do for processes.</a:t>
+            </a:r>
+          </a:p>
+          <a:p>
+            <a:r>
+              <a:rPr lang="en-US" dirty="0" smtClean="0"/>
+              <a:t>Program pointer, obviously. Stack for procedure calls/returns, obviously. Registers, seems reasonable. Process state, i.e. blocked, ready, running, terminated; for thread scheduling purposes.</a:t>
+            </a:r>
+          </a:p>
+          <a:p>
+            <a:endParaRPr lang="en-US" dirty="0"/>
+          </a:p>
+        </p:txBody>
+      </p:sp>
+      <p:sp>
+        <p:nvSpPr>
+          <p:cNvPr id="4" name="Slide Number Placeholder 3"/>
+          <p:cNvSpPr>
+            <a:spLocks noGrp="1"/>
+          </p:cNvSpPr>
+          <p:nvPr>
+            <p:ph type="sldNum" sz="quarter" idx="10"/>
+          </p:nvPr>
+        </p:nvSpPr>
+        <p:spPr/>
+        <p:txBody>
           <a:bodyPr/>
           <a:lstStyle/>
           <a:p>
-            <a:endParaRPr lang="en-US"/>
-          </a:p>
-        </p:txBody>
-      </p:sp>
-      <p:sp>
-        <p:nvSpPr>
-          <p:cNvPr id="4" name="Slide Number Placeholder 3"/>
-          <p:cNvSpPr>
-            <a:spLocks noGrp="1"/>
-          </p:cNvSpPr>
-          <p:nvPr>
-            <p:ph type="sldNum" sz="quarter" idx="10"/>
-          </p:nvPr>
-        </p:nvSpPr>
-        <p:spPr/>
-        <p:txBody>
-          <a:bodyPr/>
-          <a:lstStyle/>
-          <a:p>
-            <a:fld id="{E6238721-3839-4B86-B82B-B15CA01668A5}" type="slidenum">
+            <a:fld id="{BD0A5939-EA87-4594-A599-0B645C1D25D2}" type="slidenum">
               <a:rPr lang="en-US" smtClean="0"/>
+              <a:pPr/>
               <a:t>23</a:t>
             </a:fld>
             <a:endParaRPr lang="en-US"/>
@@ -1605,7 +1672,7 @@
     </p:spTree>
     <p:extLst>
       <p:ext uri="{BB962C8B-B14F-4D97-AF65-F5344CB8AC3E}">
-        <p14:creationId xmlns:p14="http://schemas.microsoft.com/office/powerpoint/2010/main" val="4178677231"/>
+        <p14:creationId xmlns:p14="http://schemas.microsoft.com/office/powerpoint/2010/main" val="3543966393"/>
       </p:ext>
     </p:extLst>
   </p:cSld>
@@ -1634,62 +1701,76 @@
       </p:grpSpPr>
       <p:sp>
         <p:nvSpPr>
-          <p:cNvPr id="2" name="Slide Image Placeholder 1"/>
-          <p:cNvSpPr>
-            <a:spLocks noGrp="1" noRot="1" noChangeAspect="1"/>
-          </p:cNvSpPr>
-          <p:nvPr>
-            <p:ph type="sldImg"/>
-          </p:nvPr>
-        </p:nvSpPr>
-        <p:spPr/>
-      </p:sp>
-      <p:sp>
-        <p:nvSpPr>
-          <p:cNvPr id="3" name="Notes Placeholder 2"/>
-          <p:cNvSpPr>
-            <a:spLocks noGrp="1"/>
-          </p:cNvSpPr>
-          <p:nvPr>
-            <p:ph type="body" idx="1"/>
-          </p:nvPr>
-        </p:nvSpPr>
-        <p:spPr/>
+          <p:cNvPr id="7" name="Rectangle 7"/>
+          <p:cNvSpPr>
+            <a:spLocks noGrp="1" noChangeArrowheads="1"/>
+          </p:cNvSpPr>
+          <p:nvPr>
+            <p:ph type="sldNum" sz="quarter" idx="5"/>
+          </p:nvPr>
+        </p:nvSpPr>
+        <p:spPr>
+          <a:ln/>
+        </p:spPr>
         <p:txBody>
           <a:bodyPr/>
           <a:lstStyle/>
           <a:p>
-            <a:endParaRPr lang="en-US"/>
-          </a:p>
-        </p:txBody>
-      </p:sp>
-      <p:sp>
-        <p:nvSpPr>
-          <p:cNvPr id="4" name="Slide Number Placeholder 3"/>
-          <p:cNvSpPr>
-            <a:spLocks noGrp="1"/>
-          </p:cNvSpPr>
-          <p:nvPr>
-            <p:ph type="sldNum" sz="quarter" idx="10"/>
-          </p:nvPr>
-        </p:nvSpPr>
-        <p:spPr/>
-        <p:txBody>
-          <a:bodyPr/>
-          <a:lstStyle/>
-          <a:p>
-            <a:fld id="{E6238721-3839-4B86-B82B-B15CA01668A5}" type="slidenum">
-              <a:rPr lang="en-US" smtClean="0"/>
+            <a:fld id="{5BEF6379-20E5-42D9-B413-950585156797}" type="slidenum">
+              <a:rPr lang="en-US"/>
+              <a:pPr/>
               <a:t>24</a:t>
             </a:fld>
             <a:endParaRPr lang="en-US"/>
           </a:p>
         </p:txBody>
       </p:sp>
+      <p:sp>
+        <p:nvSpPr>
+          <p:cNvPr id="217090" name="Rectangle 2"/>
+          <p:cNvSpPr>
+            <a:spLocks noGrp="1" noRot="1" noChangeAspect="1" noChangeArrowheads="1" noTextEdit="1"/>
+          </p:cNvSpPr>
+          <p:nvPr>
+            <p:ph type="sldImg"/>
+          </p:nvPr>
+        </p:nvSpPr>
+        <p:spPr>
+          <a:ln/>
+        </p:spPr>
+      </p:sp>
+      <p:sp>
+        <p:nvSpPr>
+          <p:cNvPr id="217091" name="Rectangle 3"/>
+          <p:cNvSpPr>
+            <a:spLocks noGrp="1" noChangeArrowheads="1"/>
+          </p:cNvSpPr>
+          <p:nvPr>
+            <p:ph type="body" idx="1"/>
+          </p:nvPr>
+        </p:nvSpPr>
+        <p:spPr/>
+        <p:txBody>
+          <a:bodyPr/>
+          <a:lstStyle/>
+          <a:p>
+            <a:r>
+              <a:rPr lang="en-US"/>
+              <a:t>Make a note that it is appropriate to have semaphores, mutexes and condition variables as global variables, or at least at a well-known place in the shared address space (dynamic memory -&gt; later).</a:t>
+            </a:r>
+          </a:p>
+          <a:p>
+            <a:r>
+              <a:rPr lang="en-US"/>
+              <a:t>Important to have them – memory allocation example.</a:t>
+            </a:r>
+          </a:p>
+        </p:txBody>
+      </p:sp>
     </p:spTree>
     <p:extLst>
       <p:ext uri="{BB962C8B-B14F-4D97-AF65-F5344CB8AC3E}">
-        <p14:creationId xmlns:p14="http://schemas.microsoft.com/office/powerpoint/2010/main" val="2534251745"/>
+        <p14:creationId xmlns:p14="http://schemas.microsoft.com/office/powerpoint/2010/main" val="1205538449"/>
       </p:ext>
     </p:extLst>
   </p:cSld>
@@ -1747,70 +1828,14 @@
           <a:p>
             <a:r>
               <a:rPr lang="en-US" dirty="0" smtClean="0"/>
-              <a:t>Processes were invented as single thread entities</a:t>
+              <a:t>Each thread has it’s own stack.</a:t>
             </a:r>
           </a:p>
           <a:p>
             <a:r>
               <a:rPr lang="en-US" dirty="0" smtClean="0"/>
-              <a:t>Parallelism between processes</a:t>
-            </a:r>
-          </a:p>
-          <a:p>
-            <a:r>
-              <a:rPr lang="en-US" dirty="0" smtClean="0"/>
-              <a:t>Offers protection</a:t>
-            </a:r>
-          </a:p>
-          <a:p>
-            <a:r>
-              <a:rPr lang="en-US" dirty="0" smtClean="0"/>
-              <a:t>Which makes (single threaded) processes inefficient as a means for many threads working together on same task</a:t>
-            </a:r>
-          </a:p>
-          <a:p>
-            <a:r>
-              <a:rPr lang="en-US" dirty="0" smtClean="0"/>
-              <a:t>Multiple threads within single processes offer the potential of efficient cooperation between threads working in parallel</a:t>
-            </a:r>
-          </a:p>
-          <a:p>
-            <a:r>
-              <a:rPr lang="en-US" dirty="0" smtClean="0"/>
-              <a:t>We assume threads within same process all are “friendly” and want to work together.</a:t>
-            </a:r>
-          </a:p>
-          <a:p>
-            <a:r>
-              <a:rPr lang="en-US" dirty="0" smtClean="0"/>
-              <a:t>Process still offers protection between threads in different processes. </a:t>
-            </a:r>
-          </a:p>
-          <a:p>
-            <a:r>
-              <a:rPr lang="en-US" dirty="0" smtClean="0"/>
-              <a:t>“Lightweight processes” was a term that is descriptive of what one wanted. But possibly misleading as to what threads actually are.</a:t>
-            </a:r>
-          </a:p>
-          <a:p>
-            <a:r>
-              <a:rPr lang="en-US" dirty="0" smtClean="0"/>
-              <a:t>So, how “light” should a thread be? What information should we keep per thread, and what per process?</a:t>
-            </a:r>
-          </a:p>
-          <a:p>
-            <a:r>
-              <a:rPr lang="en-US" dirty="0" smtClean="0"/>
-              <a:t>Need: Switching between threads as we already do for processes.</a:t>
-            </a:r>
-          </a:p>
-          <a:p>
-            <a:r>
-              <a:rPr lang="en-US" dirty="0" smtClean="0"/>
-              <a:t>Program pointer, obviously. Stack for procedure calls/returns, obviously. Registers, seems reasonable. Process state, i.e. blocked, ready, running, terminated; for thread scheduling purposes.</a:t>
-            </a:r>
-          </a:p>
-          <a:p>
+              <a:t>Also, we need to be able to store PC, register values, PC, and thread state, per thread.</a:t>
+            </a:r>
             <a:endParaRPr lang="en-US" dirty="0"/>
           </a:p>
         </p:txBody>
@@ -1842,7 +1867,7 @@
     </p:spTree>
     <p:extLst>
       <p:ext uri="{BB962C8B-B14F-4D97-AF65-F5344CB8AC3E}">
-        <p14:creationId xmlns:p14="http://schemas.microsoft.com/office/powerpoint/2010/main" val="3543966393"/>
+        <p14:creationId xmlns:p14="http://schemas.microsoft.com/office/powerpoint/2010/main" val="128901893"/>
       </p:ext>
     </p:extLst>
   </p:cSld>
@@ -1871,76 +1896,62 @@
       </p:grpSpPr>
       <p:sp>
         <p:nvSpPr>
-          <p:cNvPr id="7" name="Rectangle 7"/>
-          <p:cNvSpPr>
-            <a:spLocks noGrp="1" noChangeArrowheads="1"/>
-          </p:cNvSpPr>
-          <p:nvPr>
-            <p:ph type="sldNum" sz="quarter" idx="5"/>
-          </p:nvPr>
-        </p:nvSpPr>
-        <p:spPr>
-          <a:ln/>
-        </p:spPr>
+          <p:cNvPr id="2" name="Slide Image Placeholder 1"/>
+          <p:cNvSpPr>
+            <a:spLocks noGrp="1" noRot="1" noChangeAspect="1"/>
+          </p:cNvSpPr>
+          <p:nvPr>
+            <p:ph type="sldImg"/>
+          </p:nvPr>
+        </p:nvSpPr>
+        <p:spPr/>
+      </p:sp>
+      <p:sp>
+        <p:nvSpPr>
+          <p:cNvPr id="3" name="Notes Placeholder 2"/>
+          <p:cNvSpPr>
+            <a:spLocks noGrp="1"/>
+          </p:cNvSpPr>
+          <p:nvPr>
+            <p:ph type="body" idx="1"/>
+          </p:nvPr>
+        </p:nvSpPr>
+        <p:spPr/>
         <p:txBody>
           <a:bodyPr/>
           <a:lstStyle/>
           <a:p>
-            <a:fld id="{5BEF6379-20E5-42D9-B413-950585156797}" type="slidenum">
-              <a:rPr lang="en-US"/>
-              <a:pPr/>
+            <a:endParaRPr lang="en-US"/>
+          </a:p>
+        </p:txBody>
+      </p:sp>
+      <p:sp>
+        <p:nvSpPr>
+          <p:cNvPr id="4" name="Slide Number Placeholder 3"/>
+          <p:cNvSpPr>
+            <a:spLocks noGrp="1"/>
+          </p:cNvSpPr>
+          <p:nvPr>
+            <p:ph type="sldNum" sz="quarter" idx="10"/>
+          </p:nvPr>
+        </p:nvSpPr>
+        <p:spPr/>
+        <p:txBody>
+          <a:bodyPr/>
+          <a:lstStyle/>
+          <a:p>
+            <a:fld id="{E6238721-3839-4B86-B82B-B15CA01668A5}" type="slidenum">
+              <a:rPr lang="en-US" smtClean="0"/>
               <a:t>26</a:t>
             </a:fld>
             <a:endParaRPr lang="en-US"/>
           </a:p>
         </p:txBody>
       </p:sp>
-      <p:sp>
-        <p:nvSpPr>
-          <p:cNvPr id="217090" name="Rectangle 2"/>
-          <p:cNvSpPr>
-            <a:spLocks noGrp="1" noRot="1" noChangeAspect="1" noChangeArrowheads="1" noTextEdit="1"/>
-          </p:cNvSpPr>
-          <p:nvPr>
-            <p:ph type="sldImg"/>
-          </p:nvPr>
-        </p:nvSpPr>
-        <p:spPr>
-          <a:ln/>
-        </p:spPr>
-      </p:sp>
-      <p:sp>
-        <p:nvSpPr>
-          <p:cNvPr id="217091" name="Rectangle 3"/>
-          <p:cNvSpPr>
-            <a:spLocks noGrp="1" noChangeArrowheads="1"/>
-          </p:cNvSpPr>
-          <p:nvPr>
-            <p:ph type="body" idx="1"/>
-          </p:nvPr>
-        </p:nvSpPr>
-        <p:spPr/>
-        <p:txBody>
-          <a:bodyPr/>
-          <a:lstStyle/>
-          <a:p>
-            <a:r>
-              <a:rPr lang="en-US"/>
-              <a:t>Make a note that it is appropriate to have semaphores, mutexes and condition variables as global variables, or at least at a well-known place in the shared address space (dynamic memory -&gt; later).</a:t>
-            </a:r>
-          </a:p>
-          <a:p>
-            <a:r>
-              <a:rPr lang="en-US"/>
-              <a:t>Important to have them – memory allocation example.</a:t>
-            </a:r>
-          </a:p>
-        </p:txBody>
-      </p:sp>
     </p:spTree>
     <p:extLst>
       <p:ext uri="{BB962C8B-B14F-4D97-AF65-F5344CB8AC3E}">
-        <p14:creationId xmlns:p14="http://schemas.microsoft.com/office/powerpoint/2010/main" val="1205538449"/>
+        <p14:creationId xmlns:p14="http://schemas.microsoft.com/office/powerpoint/2010/main" val="3473010106"/>
       </p:ext>
     </p:extLst>
   </p:cSld>
@@ -1969,67 +1980,35 @@
       </p:grpSpPr>
       <p:sp>
         <p:nvSpPr>
-          <p:cNvPr id="2" name="Slide Image Placeholder 1"/>
-          <p:cNvSpPr>
-            <a:spLocks noGrp="1" noRot="1" noChangeAspect="1"/>
+          <p:cNvPr id="21506" name="Rectangle 2"/>
+          <p:cNvSpPr>
+            <a:spLocks noGrp="1" noRot="1" noChangeAspect="1" noChangeArrowheads="1" noTextEdit="1"/>
           </p:cNvSpPr>
           <p:nvPr>
             <p:ph type="sldImg"/>
           </p:nvPr>
         </p:nvSpPr>
-        <p:spPr/>
-      </p:sp>
-      <p:sp>
-        <p:nvSpPr>
-          <p:cNvPr id="3" name="Notes Placeholder 2"/>
-          <p:cNvSpPr>
-            <a:spLocks noGrp="1"/>
+        <p:spPr>
+          <a:ln cap="flat"/>
+        </p:spPr>
+      </p:sp>
+      <p:sp>
+        <p:nvSpPr>
+          <p:cNvPr id="21507" name="Rectangle 3"/>
+          <p:cNvSpPr>
+            <a:spLocks noGrp="1" noChangeArrowheads="1"/>
           </p:cNvSpPr>
           <p:nvPr>
             <p:ph type="body" idx="1"/>
           </p:nvPr>
         </p:nvSpPr>
-        <p:spPr/>
-        <p:txBody>
-          <a:bodyPr>
-            <a:normAutofit/>
-          </a:bodyPr>
-          <a:lstStyle/>
-          <a:p>
-            <a:r>
-              <a:rPr lang="en-US" dirty="0" smtClean="0"/>
-              <a:t>Each thread has it’s own stack.</a:t>
-            </a:r>
-          </a:p>
-          <a:p>
-            <a:r>
-              <a:rPr lang="en-US" dirty="0" smtClean="0"/>
-              <a:t>Also, we need to be able to store PC, register values, PC, and thread state, per thread.</a:t>
-            </a:r>
-            <a:endParaRPr lang="en-US" dirty="0"/>
-          </a:p>
-        </p:txBody>
-      </p:sp>
-      <p:sp>
-        <p:nvSpPr>
-          <p:cNvPr id="4" name="Slide Number Placeholder 3"/>
-          <p:cNvSpPr>
-            <a:spLocks noGrp="1"/>
-          </p:cNvSpPr>
-          <p:nvPr>
-            <p:ph type="sldNum" sz="quarter" idx="10"/>
-          </p:nvPr>
-        </p:nvSpPr>
-        <p:spPr/>
+        <p:spPr>
+          <a:ln/>
+        </p:spPr>
         <p:txBody>
           <a:bodyPr/>
           <a:lstStyle/>
           <a:p>
-            <a:fld id="{BD0A5939-EA87-4594-A599-0B645C1D25D2}" type="slidenum">
-              <a:rPr lang="en-US" smtClean="0"/>
-              <a:pPr/>
-              <a:t>27</a:t>
-            </a:fld>
             <a:endParaRPr lang="en-US"/>
           </a:p>
         </p:txBody>
@@ -2037,7 +2016,7 @@
     </p:spTree>
     <p:extLst>
       <p:ext uri="{BB962C8B-B14F-4D97-AF65-F5344CB8AC3E}">
-        <p14:creationId xmlns:p14="http://schemas.microsoft.com/office/powerpoint/2010/main" val="128901893"/>
+        <p14:creationId xmlns:p14="http://schemas.microsoft.com/office/powerpoint/2010/main" val="3392237998"/>
       </p:ext>
     </p:extLst>
   </p:cSld>
@@ -2066,54 +2045,35 @@
       </p:grpSpPr>
       <p:sp>
         <p:nvSpPr>
-          <p:cNvPr id="2" name="Slide Image Placeholder 1"/>
-          <p:cNvSpPr>
-            <a:spLocks noGrp="1" noRot="1" noChangeAspect="1"/>
+          <p:cNvPr id="25602" name="Rectangle 2"/>
+          <p:cNvSpPr>
+            <a:spLocks noGrp="1" noRot="1" noChangeAspect="1" noChangeArrowheads="1" noTextEdit="1"/>
           </p:cNvSpPr>
           <p:nvPr>
             <p:ph type="sldImg"/>
           </p:nvPr>
         </p:nvSpPr>
-        <p:spPr/>
-      </p:sp>
-      <p:sp>
-        <p:nvSpPr>
-          <p:cNvPr id="3" name="Notes Placeholder 2"/>
-          <p:cNvSpPr>
-            <a:spLocks noGrp="1"/>
+        <p:spPr>
+          <a:ln cap="flat"/>
+        </p:spPr>
+      </p:sp>
+      <p:sp>
+        <p:nvSpPr>
+          <p:cNvPr id="25603" name="Rectangle 3"/>
+          <p:cNvSpPr>
+            <a:spLocks noGrp="1" noChangeArrowheads="1"/>
           </p:cNvSpPr>
           <p:nvPr>
             <p:ph type="body" idx="1"/>
           </p:nvPr>
         </p:nvSpPr>
-        <p:spPr/>
+        <p:spPr>
+          <a:ln/>
+        </p:spPr>
         <p:txBody>
           <a:bodyPr/>
           <a:lstStyle/>
           <a:p>
-            <a:endParaRPr lang="en-US"/>
-          </a:p>
-        </p:txBody>
-      </p:sp>
-      <p:sp>
-        <p:nvSpPr>
-          <p:cNvPr id="4" name="Slide Number Placeholder 3"/>
-          <p:cNvSpPr>
-            <a:spLocks noGrp="1"/>
-          </p:cNvSpPr>
-          <p:nvPr>
-            <p:ph type="sldNum" sz="quarter" idx="10"/>
-          </p:nvPr>
-        </p:nvSpPr>
-        <p:spPr/>
-        <p:txBody>
-          <a:bodyPr/>
-          <a:lstStyle/>
-          <a:p>
-            <a:fld id="{E6238721-3839-4B86-B82B-B15CA01668A5}" type="slidenum">
-              <a:rPr lang="en-US" smtClean="0"/>
-              <a:t>28</a:t>
-            </a:fld>
             <a:endParaRPr lang="en-US"/>
           </a:p>
         </p:txBody>
@@ -2121,7 +2081,7 @@
     </p:spTree>
     <p:extLst>
       <p:ext uri="{BB962C8B-B14F-4D97-AF65-F5344CB8AC3E}">
-        <p14:creationId xmlns:p14="http://schemas.microsoft.com/office/powerpoint/2010/main" val="3473010106"/>
+        <p14:creationId xmlns:p14="http://schemas.microsoft.com/office/powerpoint/2010/main" val="2944973884"/>
       </p:ext>
     </p:extLst>
   </p:cSld>
@@ -2150,7 +2110,7 @@
       </p:grpSpPr>
       <p:sp>
         <p:nvSpPr>
-          <p:cNvPr id="21506" name="Rectangle 2"/>
+          <p:cNvPr id="29698" name="Rectangle 2"/>
           <p:cNvSpPr>
             <a:spLocks noGrp="1" noRot="1" noChangeAspect="1" noChangeArrowheads="1" noTextEdit="1"/>
           </p:cNvSpPr>
@@ -2164,7 +2124,7 @@
       </p:sp>
       <p:sp>
         <p:nvSpPr>
-          <p:cNvPr id="21507" name="Rectangle 3"/>
+          <p:cNvPr id="29699" name="Rectangle 3"/>
           <p:cNvSpPr>
             <a:spLocks noGrp="1" noChangeArrowheads="1"/>
           </p:cNvSpPr>
@@ -2186,7 +2146,7 @@
     </p:spTree>
     <p:extLst>
       <p:ext uri="{BB962C8B-B14F-4D97-AF65-F5344CB8AC3E}">
-        <p14:creationId xmlns:p14="http://schemas.microsoft.com/office/powerpoint/2010/main" val="3392237998"/>
+        <p14:creationId xmlns:p14="http://schemas.microsoft.com/office/powerpoint/2010/main" val="2966380887"/>
       </p:ext>
     </p:extLst>
   </p:cSld>
@@ -2215,7 +2175,7 @@
       </p:grpSpPr>
       <p:sp>
         <p:nvSpPr>
-          <p:cNvPr id="25602" name="Rectangle 2"/>
+          <p:cNvPr id="33794" name="Rectangle 2"/>
           <p:cNvSpPr>
             <a:spLocks noGrp="1" noRot="1" noChangeAspect="1" noChangeArrowheads="1" noTextEdit="1"/>
           </p:cNvSpPr>
@@ -2229,7 +2189,7 @@
       </p:sp>
       <p:sp>
         <p:nvSpPr>
-          <p:cNvPr id="25603" name="Rectangle 3"/>
+          <p:cNvPr id="33795" name="Rectangle 3"/>
           <p:cNvSpPr>
             <a:spLocks noGrp="1" noChangeArrowheads="1"/>
           </p:cNvSpPr>
@@ -2251,7 +2211,7 @@
     </p:spTree>
     <p:extLst>
       <p:ext uri="{BB962C8B-B14F-4D97-AF65-F5344CB8AC3E}">
-        <p14:creationId xmlns:p14="http://schemas.microsoft.com/office/powerpoint/2010/main" val="2944973884"/>
+        <p14:creationId xmlns:p14="http://schemas.microsoft.com/office/powerpoint/2010/main" val="2564323997"/>
       </p:ext>
     </p:extLst>
   </p:cSld>
@@ -2280,7 +2240,7 @@
       </p:grpSpPr>
       <p:sp>
         <p:nvSpPr>
-          <p:cNvPr id="29698" name="Rectangle 2"/>
+          <p:cNvPr id="35842" name="Rectangle 2"/>
           <p:cNvSpPr>
             <a:spLocks noGrp="1" noRot="1" noChangeAspect="1" noChangeArrowheads="1" noTextEdit="1"/>
           </p:cNvSpPr>
@@ -2294,7 +2254,7 @@
       </p:sp>
       <p:sp>
         <p:nvSpPr>
-          <p:cNvPr id="29699" name="Rectangle 3"/>
+          <p:cNvPr id="35843" name="Rectangle 3"/>
           <p:cNvSpPr>
             <a:spLocks noGrp="1" noChangeArrowheads="1"/>
           </p:cNvSpPr>
@@ -2316,7 +2276,7 @@
     </p:spTree>
     <p:extLst>
       <p:ext uri="{BB962C8B-B14F-4D97-AF65-F5344CB8AC3E}">
-        <p14:creationId xmlns:p14="http://schemas.microsoft.com/office/powerpoint/2010/main" val="2966380887"/>
+        <p14:creationId xmlns:p14="http://schemas.microsoft.com/office/powerpoint/2010/main" val="158567655"/>
       </p:ext>
     </p:extLst>
   </p:cSld>
@@ -2345,35 +2305,54 @@
       </p:grpSpPr>
       <p:sp>
         <p:nvSpPr>
-          <p:cNvPr id="33794" name="Rectangle 2"/>
-          <p:cNvSpPr>
-            <a:spLocks noGrp="1" noRot="1" noChangeAspect="1" noChangeArrowheads="1" noTextEdit="1"/>
+          <p:cNvPr id="2" name="Slide Image Placeholder 1"/>
+          <p:cNvSpPr>
+            <a:spLocks noGrp="1" noRot="1" noChangeAspect="1"/>
           </p:cNvSpPr>
           <p:nvPr>
             <p:ph type="sldImg"/>
           </p:nvPr>
         </p:nvSpPr>
-        <p:spPr>
-          <a:ln cap="flat"/>
-        </p:spPr>
-      </p:sp>
-      <p:sp>
-        <p:nvSpPr>
-          <p:cNvPr id="33795" name="Rectangle 3"/>
-          <p:cNvSpPr>
-            <a:spLocks noGrp="1" noChangeArrowheads="1"/>
+        <p:spPr/>
+      </p:sp>
+      <p:sp>
+        <p:nvSpPr>
+          <p:cNvPr id="3" name="Notes Placeholder 2"/>
+          <p:cNvSpPr>
+            <a:spLocks noGrp="1"/>
           </p:cNvSpPr>
           <p:nvPr>
             <p:ph type="body" idx="1"/>
           </p:nvPr>
         </p:nvSpPr>
-        <p:spPr>
-          <a:ln/>
-        </p:spPr>
+        <p:spPr/>
         <p:txBody>
           <a:bodyPr/>
           <a:lstStyle/>
           <a:p>
+            <a:endParaRPr lang="en-US"/>
+          </a:p>
+        </p:txBody>
+      </p:sp>
+      <p:sp>
+        <p:nvSpPr>
+          <p:cNvPr id="4" name="Slide Number Placeholder 3"/>
+          <p:cNvSpPr>
+            <a:spLocks noGrp="1"/>
+          </p:cNvSpPr>
+          <p:nvPr>
+            <p:ph type="sldNum" sz="quarter" idx="10"/>
+          </p:nvPr>
+        </p:nvSpPr>
+        <p:spPr/>
+        <p:txBody>
+          <a:bodyPr/>
+          <a:lstStyle/>
+          <a:p>
+            <a:fld id="{E6238721-3839-4B86-B82B-B15CA01668A5}" type="slidenum">
+              <a:rPr lang="en-US" smtClean="0"/>
+              <a:t>32</a:t>
+            </a:fld>
             <a:endParaRPr lang="en-US"/>
           </a:p>
         </p:txBody>
@@ -2381,7 +2360,7 @@
     </p:spTree>
     <p:extLst>
       <p:ext uri="{BB962C8B-B14F-4D97-AF65-F5344CB8AC3E}">
-        <p14:creationId xmlns:p14="http://schemas.microsoft.com/office/powerpoint/2010/main" val="2564323997"/>
+        <p14:creationId xmlns:p14="http://schemas.microsoft.com/office/powerpoint/2010/main" val="247747380"/>
       </p:ext>
     </p:extLst>
   </p:cSld>
@@ -2494,35 +2473,54 @@
       </p:grpSpPr>
       <p:sp>
         <p:nvSpPr>
-          <p:cNvPr id="35842" name="Rectangle 2"/>
-          <p:cNvSpPr>
-            <a:spLocks noGrp="1" noRot="1" noChangeAspect="1" noChangeArrowheads="1" noTextEdit="1"/>
+          <p:cNvPr id="2" name="Slide Image Placeholder 1"/>
+          <p:cNvSpPr>
+            <a:spLocks noGrp="1" noRot="1" noChangeAspect="1"/>
           </p:cNvSpPr>
           <p:nvPr>
             <p:ph type="sldImg"/>
           </p:nvPr>
         </p:nvSpPr>
-        <p:spPr>
-          <a:ln cap="flat"/>
-        </p:spPr>
-      </p:sp>
-      <p:sp>
-        <p:nvSpPr>
-          <p:cNvPr id="35843" name="Rectangle 3"/>
-          <p:cNvSpPr>
-            <a:spLocks noGrp="1" noChangeArrowheads="1"/>
+        <p:spPr/>
+      </p:sp>
+      <p:sp>
+        <p:nvSpPr>
+          <p:cNvPr id="3" name="Notes Placeholder 2"/>
+          <p:cNvSpPr>
+            <a:spLocks noGrp="1"/>
           </p:cNvSpPr>
           <p:nvPr>
             <p:ph type="body" idx="1"/>
           </p:nvPr>
         </p:nvSpPr>
-        <p:spPr>
-          <a:ln/>
-        </p:spPr>
+        <p:spPr/>
         <p:txBody>
           <a:bodyPr/>
           <a:lstStyle/>
           <a:p>
+            <a:endParaRPr lang="en-US"/>
+          </a:p>
+        </p:txBody>
+      </p:sp>
+      <p:sp>
+        <p:nvSpPr>
+          <p:cNvPr id="4" name="Slide Number Placeholder 3"/>
+          <p:cNvSpPr>
+            <a:spLocks noGrp="1"/>
+          </p:cNvSpPr>
+          <p:nvPr>
+            <p:ph type="sldNum" sz="quarter" idx="10"/>
+          </p:nvPr>
+        </p:nvSpPr>
+        <p:spPr/>
+        <p:txBody>
+          <a:bodyPr/>
+          <a:lstStyle/>
+          <a:p>
+            <a:fld id="{E6238721-3839-4B86-B82B-B15CA01668A5}" type="slidenum">
+              <a:rPr lang="en-US" smtClean="0"/>
+              <a:t>33</a:t>
+            </a:fld>
             <a:endParaRPr lang="en-US"/>
           </a:p>
         </p:txBody>
@@ -2530,7 +2528,7 @@
     </p:spTree>
     <p:extLst>
       <p:ext uri="{BB962C8B-B14F-4D97-AF65-F5344CB8AC3E}">
-        <p14:creationId xmlns:p14="http://schemas.microsoft.com/office/powerpoint/2010/main" val="158567655"/>
+        <p14:creationId xmlns:p14="http://schemas.microsoft.com/office/powerpoint/2010/main" val="1450716401"/>
       </p:ext>
     </p:extLst>
   </p:cSld>
@@ -2614,7 +2612,7 @@
     </p:spTree>
     <p:extLst>
       <p:ext uri="{BB962C8B-B14F-4D97-AF65-F5344CB8AC3E}">
-        <p14:creationId xmlns:p14="http://schemas.microsoft.com/office/powerpoint/2010/main" val="247747380"/>
+        <p14:creationId xmlns:p14="http://schemas.microsoft.com/office/powerpoint/2010/main" val="2473479201"/>
       </p:ext>
     </p:extLst>
   </p:cSld>
@@ -2698,7 +2696,7 @@
     </p:spTree>
     <p:extLst>
       <p:ext uri="{BB962C8B-B14F-4D97-AF65-F5344CB8AC3E}">
-        <p14:creationId xmlns:p14="http://schemas.microsoft.com/office/powerpoint/2010/main" val="1450716401"/>
+        <p14:creationId xmlns:p14="http://schemas.microsoft.com/office/powerpoint/2010/main" val="2383593896"/>
       </p:ext>
     </p:extLst>
   </p:cSld>
@@ -2782,7 +2780,7 @@
     </p:spTree>
     <p:extLst>
       <p:ext uri="{BB962C8B-B14F-4D97-AF65-F5344CB8AC3E}">
-        <p14:creationId xmlns:p14="http://schemas.microsoft.com/office/powerpoint/2010/main" val="2473479201"/>
+        <p14:creationId xmlns:p14="http://schemas.microsoft.com/office/powerpoint/2010/main" val="3565585951"/>
       </p:ext>
     </p:extLst>
   </p:cSld>
@@ -2866,7 +2864,7 @@
     </p:spTree>
     <p:extLst>
       <p:ext uri="{BB962C8B-B14F-4D97-AF65-F5344CB8AC3E}">
-        <p14:creationId xmlns:p14="http://schemas.microsoft.com/office/powerpoint/2010/main" val="2383593896"/>
+        <p14:creationId xmlns:p14="http://schemas.microsoft.com/office/powerpoint/2010/main" val="1813809871"/>
       </p:ext>
     </p:extLst>
   </p:cSld>
@@ -2950,7 +2948,7 @@
     </p:spTree>
     <p:extLst>
       <p:ext uri="{BB962C8B-B14F-4D97-AF65-F5344CB8AC3E}">
-        <p14:creationId xmlns:p14="http://schemas.microsoft.com/office/powerpoint/2010/main" val="3565585951"/>
+        <p14:creationId xmlns:p14="http://schemas.microsoft.com/office/powerpoint/2010/main" val="3499644877"/>
       </p:ext>
     </p:extLst>
   </p:cSld>
@@ -3034,7 +3032,7 @@
     </p:spTree>
     <p:extLst>
       <p:ext uri="{BB962C8B-B14F-4D97-AF65-F5344CB8AC3E}">
-        <p14:creationId xmlns:p14="http://schemas.microsoft.com/office/powerpoint/2010/main" val="1813809871"/>
+        <p14:creationId xmlns:p14="http://schemas.microsoft.com/office/powerpoint/2010/main" val="1821875749"/>
       </p:ext>
     </p:extLst>
   </p:cSld>
@@ -3118,7 +3116,7 @@
     </p:spTree>
     <p:extLst>
       <p:ext uri="{BB962C8B-B14F-4D97-AF65-F5344CB8AC3E}">
-        <p14:creationId xmlns:p14="http://schemas.microsoft.com/office/powerpoint/2010/main" val="3499644877"/>
+        <p14:creationId xmlns:p14="http://schemas.microsoft.com/office/powerpoint/2010/main" val="1587798409"/>
       </p:ext>
     </p:extLst>
   </p:cSld>
@@ -3202,7 +3200,7 @@
     </p:spTree>
     <p:extLst>
       <p:ext uri="{BB962C8B-B14F-4D97-AF65-F5344CB8AC3E}">
-        <p14:creationId xmlns:p14="http://schemas.microsoft.com/office/powerpoint/2010/main" val="1821875749"/>
+        <p14:creationId xmlns:p14="http://schemas.microsoft.com/office/powerpoint/2010/main" val="1572857154"/>
       </p:ext>
     </p:extLst>
   </p:cSld>
@@ -3286,7 +3284,7 @@
     </p:spTree>
     <p:extLst>
       <p:ext uri="{BB962C8B-B14F-4D97-AF65-F5344CB8AC3E}">
-        <p14:creationId xmlns:p14="http://schemas.microsoft.com/office/powerpoint/2010/main" val="1587798409"/>
+        <p14:creationId xmlns:p14="http://schemas.microsoft.com/office/powerpoint/2010/main" val="3851113399"/>
       </p:ext>
     </p:extLst>
   </p:cSld>
@@ -3454,7 +3452,7 @@
     </p:spTree>
     <p:extLst>
       <p:ext uri="{BB962C8B-B14F-4D97-AF65-F5344CB8AC3E}">
-        <p14:creationId xmlns:p14="http://schemas.microsoft.com/office/powerpoint/2010/main" val="1572857154"/>
+        <p14:creationId xmlns:p14="http://schemas.microsoft.com/office/powerpoint/2010/main" val="1724204482"/>
       </p:ext>
     </p:extLst>
   </p:cSld>
@@ -3538,7 +3536,7 @@
     </p:spTree>
     <p:extLst>
       <p:ext uri="{BB962C8B-B14F-4D97-AF65-F5344CB8AC3E}">
-        <p14:creationId xmlns:p14="http://schemas.microsoft.com/office/powerpoint/2010/main" val="3851113399"/>
+        <p14:creationId xmlns:p14="http://schemas.microsoft.com/office/powerpoint/2010/main" val="3202868113"/>
       </p:ext>
     </p:extLst>
   </p:cSld>
@@ -3622,7 +3620,7 @@
     </p:spTree>
     <p:extLst>
       <p:ext uri="{BB962C8B-B14F-4D97-AF65-F5344CB8AC3E}">
-        <p14:creationId xmlns:p14="http://schemas.microsoft.com/office/powerpoint/2010/main" val="1724204482"/>
+        <p14:creationId xmlns:p14="http://schemas.microsoft.com/office/powerpoint/2010/main" val="209359676"/>
       </p:ext>
     </p:extLst>
   </p:cSld>
@@ -3698,174 +3696,6 @@
             <a:fld id="{E6238721-3839-4B86-B82B-B15CA01668A5}" type="slidenum">
               <a:rPr lang="en-US" smtClean="0"/>
               <a:t>46</a:t>
-            </a:fld>
-            <a:endParaRPr lang="en-US"/>
-          </a:p>
-        </p:txBody>
-      </p:sp>
-    </p:spTree>
-    <p:extLst>
-      <p:ext uri="{BB962C8B-B14F-4D97-AF65-F5344CB8AC3E}">
-        <p14:creationId xmlns:p14="http://schemas.microsoft.com/office/powerpoint/2010/main" val="3202868113"/>
-      </p:ext>
-    </p:extLst>
-  </p:cSld>
-  <p:clrMapOvr>
-    <a:masterClrMapping/>
-  </p:clrMapOvr>
-</p:notes>
-</file>
-
-<file path=ppt/notesSlides/notesSlide44.xml><?xml version="1.0" encoding="utf-8"?>
-<p:notes xmlns:a="http://schemas.openxmlformats.org/drawingml/2006/main" xmlns:r="http://schemas.openxmlformats.org/officeDocument/2006/relationships" xmlns:p="http://schemas.openxmlformats.org/presentationml/2006/main">
-  <p:cSld>
-    <p:spTree>
-      <p:nvGrpSpPr>
-        <p:cNvPr id="1" name=""/>
-        <p:cNvGrpSpPr/>
-        <p:nvPr/>
-      </p:nvGrpSpPr>
-      <p:grpSpPr>
-        <a:xfrm>
-          <a:off x="0" y="0"/>
-          <a:ext cx="0" cy="0"/>
-          <a:chOff x="0" y="0"/>
-          <a:chExt cx="0" cy="0"/>
-        </a:xfrm>
-      </p:grpSpPr>
-      <p:sp>
-        <p:nvSpPr>
-          <p:cNvPr id="2" name="Slide Image Placeholder 1"/>
-          <p:cNvSpPr>
-            <a:spLocks noGrp="1" noRot="1" noChangeAspect="1"/>
-          </p:cNvSpPr>
-          <p:nvPr>
-            <p:ph type="sldImg"/>
-          </p:nvPr>
-        </p:nvSpPr>
-        <p:spPr/>
-      </p:sp>
-      <p:sp>
-        <p:nvSpPr>
-          <p:cNvPr id="3" name="Notes Placeholder 2"/>
-          <p:cNvSpPr>
-            <a:spLocks noGrp="1"/>
-          </p:cNvSpPr>
-          <p:nvPr>
-            <p:ph type="body" idx="1"/>
-          </p:nvPr>
-        </p:nvSpPr>
-        <p:spPr/>
-        <p:txBody>
-          <a:bodyPr/>
-          <a:lstStyle/>
-          <a:p>
-            <a:endParaRPr lang="en-US"/>
-          </a:p>
-        </p:txBody>
-      </p:sp>
-      <p:sp>
-        <p:nvSpPr>
-          <p:cNvPr id="4" name="Slide Number Placeholder 3"/>
-          <p:cNvSpPr>
-            <a:spLocks noGrp="1"/>
-          </p:cNvSpPr>
-          <p:nvPr>
-            <p:ph type="sldNum" sz="quarter" idx="10"/>
-          </p:nvPr>
-        </p:nvSpPr>
-        <p:spPr/>
-        <p:txBody>
-          <a:bodyPr/>
-          <a:lstStyle/>
-          <a:p>
-            <a:fld id="{E6238721-3839-4B86-B82B-B15CA01668A5}" type="slidenum">
-              <a:rPr lang="en-US" smtClean="0"/>
-              <a:t>47</a:t>
-            </a:fld>
-            <a:endParaRPr lang="en-US"/>
-          </a:p>
-        </p:txBody>
-      </p:sp>
-    </p:spTree>
-    <p:extLst>
-      <p:ext uri="{BB962C8B-B14F-4D97-AF65-F5344CB8AC3E}">
-        <p14:creationId xmlns:p14="http://schemas.microsoft.com/office/powerpoint/2010/main" val="209359676"/>
-      </p:ext>
-    </p:extLst>
-  </p:cSld>
-  <p:clrMapOvr>
-    <a:masterClrMapping/>
-  </p:clrMapOvr>
-</p:notes>
-</file>
-
-<file path=ppt/notesSlides/notesSlide45.xml><?xml version="1.0" encoding="utf-8"?>
-<p:notes xmlns:a="http://schemas.openxmlformats.org/drawingml/2006/main" xmlns:r="http://schemas.openxmlformats.org/officeDocument/2006/relationships" xmlns:p="http://schemas.openxmlformats.org/presentationml/2006/main">
-  <p:cSld>
-    <p:spTree>
-      <p:nvGrpSpPr>
-        <p:cNvPr id="1" name=""/>
-        <p:cNvGrpSpPr/>
-        <p:nvPr/>
-      </p:nvGrpSpPr>
-      <p:grpSpPr>
-        <a:xfrm>
-          <a:off x="0" y="0"/>
-          <a:ext cx="0" cy="0"/>
-          <a:chOff x="0" y="0"/>
-          <a:chExt cx="0" cy="0"/>
-        </a:xfrm>
-      </p:grpSpPr>
-      <p:sp>
-        <p:nvSpPr>
-          <p:cNvPr id="2" name="Slide Image Placeholder 1"/>
-          <p:cNvSpPr>
-            <a:spLocks noGrp="1" noRot="1" noChangeAspect="1"/>
-          </p:cNvSpPr>
-          <p:nvPr>
-            <p:ph type="sldImg"/>
-          </p:nvPr>
-        </p:nvSpPr>
-        <p:spPr/>
-      </p:sp>
-      <p:sp>
-        <p:nvSpPr>
-          <p:cNvPr id="3" name="Notes Placeholder 2"/>
-          <p:cNvSpPr>
-            <a:spLocks noGrp="1"/>
-          </p:cNvSpPr>
-          <p:nvPr>
-            <p:ph type="body" idx="1"/>
-          </p:nvPr>
-        </p:nvSpPr>
-        <p:spPr/>
-        <p:txBody>
-          <a:bodyPr/>
-          <a:lstStyle/>
-          <a:p>
-            <a:endParaRPr lang="en-US"/>
-          </a:p>
-        </p:txBody>
-      </p:sp>
-      <p:sp>
-        <p:nvSpPr>
-          <p:cNvPr id="4" name="Slide Number Placeholder 3"/>
-          <p:cNvSpPr>
-            <a:spLocks noGrp="1"/>
-          </p:cNvSpPr>
-          <p:nvPr>
-            <p:ph type="sldNum" sz="quarter" idx="10"/>
-          </p:nvPr>
-        </p:nvSpPr>
-        <p:spPr/>
-        <p:txBody>
-          <a:bodyPr/>
-          <a:lstStyle/>
-          <a:p>
-            <a:fld id="{E6238721-3839-4B86-B82B-B15CA01668A5}" type="slidenum">
-              <a:rPr lang="en-US" smtClean="0"/>
-              <a:t>48</a:t>
             </a:fld>
             <a:endParaRPr lang="en-US"/>
           </a:p>
@@ -4210,7 +4040,7 @@
     </p:spTree>
     <p:extLst>
       <p:ext uri="{BB962C8B-B14F-4D97-AF65-F5344CB8AC3E}">
-        <p14:creationId xmlns:p14="http://schemas.microsoft.com/office/powerpoint/2010/main" val="2263389833"/>
+        <p14:creationId xmlns:p14="http://schemas.microsoft.com/office/powerpoint/2010/main" val="26397698"/>
       </p:ext>
     </p:extLst>
   </p:cSld>
@@ -4294,7 +4124,7 @@
     </p:spTree>
     <p:extLst>
       <p:ext uri="{BB962C8B-B14F-4D97-AF65-F5344CB8AC3E}">
-        <p14:creationId xmlns:p14="http://schemas.microsoft.com/office/powerpoint/2010/main" val="26397698"/>
+        <p14:creationId xmlns:p14="http://schemas.microsoft.com/office/powerpoint/2010/main" val="3438087143"/>
       </p:ext>
     </p:extLst>
   </p:cSld>
@@ -7280,97 +7110,6 @@
       </p:grpSpPr>
       <p:pic>
         <p:nvPicPr>
-          <p:cNvPr id="6146" name="Picture 2"/>
-          <p:cNvPicPr>
-            <a:picLocks noChangeAspect="1" noChangeArrowheads="1"/>
-          </p:cNvPicPr>
-          <p:nvPr/>
-        </p:nvPicPr>
-        <p:blipFill>
-          <a:blip r:embed="rId3">
-            <a:extLst>
-              <a:ext uri="{28A0092B-C50C-407E-A947-70E740481C1C}">
-                <a14:useLocalDpi xmlns:a14="http://schemas.microsoft.com/office/drawing/2010/main" val="0"/>
-              </a:ext>
-            </a:extLst>
-          </a:blip>
-          <a:srcRect/>
-          <a:stretch>
-            <a:fillRect/>
-          </a:stretch>
-        </p:blipFill>
-        <p:spPr bwMode="auto">
-          <a:xfrm>
-            <a:off x="0" y="314901"/>
-            <a:ext cx="9144000" cy="6318421"/>
-          </a:xfrm>
-          <a:prstGeom prst="rect">
-            <a:avLst/>
-          </a:prstGeom>
-          <a:noFill/>
-          <a:ln>
-            <a:noFill/>
-          </a:ln>
-          <a:extLst>
-            <a:ext uri="{909E8E84-426E-40DD-AFC4-6F175D3DCCD1}">
-              <a14:hiddenFill xmlns:a14="http://schemas.microsoft.com/office/drawing/2010/main">
-                <a:solidFill>
-                  <a:schemeClr val="accent1"/>
-                </a:solidFill>
-              </a14:hiddenFill>
-            </a:ext>
-            <a:ext uri="{91240B29-F687-4F45-9708-019B960494DF}">
-              <a14:hiddenLine xmlns:a14="http://schemas.microsoft.com/office/drawing/2010/main" w="9525">
-                <a:solidFill>
-                  <a:schemeClr val="tx1"/>
-                </a:solidFill>
-                <a:miter lim="800000"/>
-                <a:headEnd/>
-                <a:tailEnd/>
-              </a14:hiddenLine>
-            </a:ext>
-          </a:extLst>
-        </p:spPr>
-      </p:pic>
-    </p:spTree>
-    <p:extLst>
-      <p:ext uri="{BB962C8B-B14F-4D97-AF65-F5344CB8AC3E}">
-        <p14:creationId xmlns:p14="http://schemas.microsoft.com/office/powerpoint/2010/main" val="2236819981"/>
-      </p:ext>
-    </p:extLst>
-  </p:cSld>
-  <p:clrMapOvr>
-    <a:masterClrMapping/>
-  </p:clrMapOvr>
-  <p:timing>
-    <p:tnLst>
-      <p:par>
-        <p:cTn id="1" dur="indefinite" restart="never" nodeType="tmRoot"/>
-      </p:par>
-    </p:tnLst>
-  </p:timing>
-</p:sld>
-</file>
-
-<file path=ppt/slides/slide11.xml><?xml version="1.0" encoding="utf-8"?>
-<p:sld xmlns:a="http://schemas.openxmlformats.org/drawingml/2006/main" xmlns:r="http://schemas.openxmlformats.org/officeDocument/2006/relationships" xmlns:p="http://schemas.openxmlformats.org/presentationml/2006/main">
-  <p:cSld>
-    <p:spTree>
-      <p:nvGrpSpPr>
-        <p:cNvPr id="1" name=""/>
-        <p:cNvGrpSpPr/>
-        <p:nvPr/>
-      </p:nvGrpSpPr>
-      <p:grpSpPr>
-        <a:xfrm>
-          <a:off x="0" y="0"/>
-          <a:ext cx="0" cy="0"/>
-          <a:chOff x="0" y="0"/>
-          <a:chExt cx="0" cy="0"/>
-        </a:xfrm>
-      </p:grpSpPr>
-      <p:pic>
-        <p:nvPicPr>
           <p:cNvPr id="7170" name="Picture 2"/>
           <p:cNvPicPr>
             <a:picLocks noChangeAspect="1" noChangeArrowheads="1"/>
@@ -7443,7 +7182,7 @@
 </p:sld>
 </file>
 
-<file path=ppt/slides/slide12.xml><?xml version="1.0" encoding="utf-8"?>
+<file path=ppt/slides/slide11.xml><?xml version="1.0" encoding="utf-8"?>
 <p:sld xmlns:a="http://schemas.openxmlformats.org/drawingml/2006/main" xmlns:r="http://schemas.openxmlformats.org/officeDocument/2006/relationships" xmlns:p="http://schemas.openxmlformats.org/presentationml/2006/main">
   <p:cSld>
     <p:spTree>
@@ -7534,98 +7273,7 @@
 </p:sld>
 </file>
 
-<file path=ppt/slides/slide13.xml><?xml version="1.0" encoding="utf-8"?>
-<p:sld xmlns:a="http://schemas.openxmlformats.org/drawingml/2006/main" xmlns:r="http://schemas.openxmlformats.org/officeDocument/2006/relationships" xmlns:p="http://schemas.openxmlformats.org/presentationml/2006/main">
-  <p:cSld>
-    <p:spTree>
-      <p:nvGrpSpPr>
-        <p:cNvPr id="1" name=""/>
-        <p:cNvGrpSpPr/>
-        <p:nvPr/>
-      </p:nvGrpSpPr>
-      <p:grpSpPr>
-        <a:xfrm>
-          <a:off x="0" y="0"/>
-          <a:ext cx="0" cy="0"/>
-          <a:chOff x="0" y="0"/>
-          <a:chExt cx="0" cy="0"/>
-        </a:xfrm>
-      </p:grpSpPr>
-      <p:pic>
-        <p:nvPicPr>
-          <p:cNvPr id="9218" name="Picture 2"/>
-          <p:cNvPicPr>
-            <a:picLocks noChangeAspect="1" noChangeArrowheads="1"/>
-          </p:cNvPicPr>
-          <p:nvPr/>
-        </p:nvPicPr>
-        <p:blipFill>
-          <a:blip r:embed="rId3">
-            <a:extLst>
-              <a:ext uri="{28A0092B-C50C-407E-A947-70E740481C1C}">
-                <a14:useLocalDpi xmlns:a14="http://schemas.microsoft.com/office/drawing/2010/main" val="0"/>
-              </a:ext>
-            </a:extLst>
-          </a:blip>
-          <a:srcRect/>
-          <a:stretch>
-            <a:fillRect/>
-          </a:stretch>
-        </p:blipFill>
-        <p:spPr bwMode="auto">
-          <a:xfrm>
-            <a:off x="0" y="238261"/>
-            <a:ext cx="9144000" cy="6341273"/>
-          </a:xfrm>
-          <a:prstGeom prst="rect">
-            <a:avLst/>
-          </a:prstGeom>
-          <a:noFill/>
-          <a:ln>
-            <a:noFill/>
-          </a:ln>
-          <a:extLst>
-            <a:ext uri="{909E8E84-426E-40DD-AFC4-6F175D3DCCD1}">
-              <a14:hiddenFill xmlns:a14="http://schemas.microsoft.com/office/drawing/2010/main">
-                <a:solidFill>
-                  <a:schemeClr val="accent1"/>
-                </a:solidFill>
-              </a14:hiddenFill>
-            </a:ext>
-            <a:ext uri="{91240B29-F687-4F45-9708-019B960494DF}">
-              <a14:hiddenLine xmlns:a14="http://schemas.microsoft.com/office/drawing/2010/main" w="9525">
-                <a:solidFill>
-                  <a:schemeClr val="tx1"/>
-                </a:solidFill>
-                <a:miter lim="800000"/>
-                <a:headEnd/>
-                <a:tailEnd/>
-              </a14:hiddenLine>
-            </a:ext>
-          </a:extLst>
-        </p:spPr>
-      </p:pic>
-    </p:spTree>
-    <p:extLst>
-      <p:ext uri="{BB962C8B-B14F-4D97-AF65-F5344CB8AC3E}">
-        <p14:creationId xmlns:p14="http://schemas.microsoft.com/office/powerpoint/2010/main" val="1873272163"/>
-      </p:ext>
-    </p:extLst>
-  </p:cSld>
-  <p:clrMapOvr>
-    <a:masterClrMapping/>
-  </p:clrMapOvr>
-  <p:timing>
-    <p:tnLst>
-      <p:par>
-        <p:cTn id="1" dur="indefinite" restart="never" nodeType="tmRoot"/>
-      </p:par>
-    </p:tnLst>
-  </p:timing>
-</p:sld>
-</file>
-
-<file path=ppt/slides/slide14.xml><?xml version="1.0" encoding="utf-8"?>
+<file path=ppt/slides/slide12.xml><?xml version="1.0" encoding="utf-8"?>
 <p:sld xmlns:a="http://schemas.openxmlformats.org/drawingml/2006/main" xmlns:r="http://schemas.openxmlformats.org/officeDocument/2006/relationships" xmlns:p="http://schemas.openxmlformats.org/presentationml/2006/main">
   <p:cSld>
     <p:spTree>
@@ -7741,7 +7389,7 @@
 </p:sld>
 </file>
 
-<file path=ppt/slides/slide15.xml><?xml version="1.0" encoding="utf-8"?>
+<file path=ppt/slides/slide13.xml><?xml version="1.0" encoding="utf-8"?>
 <p:sld xmlns:a="http://schemas.openxmlformats.org/drawingml/2006/main" xmlns:r="http://schemas.openxmlformats.org/officeDocument/2006/relationships" xmlns:p="http://schemas.openxmlformats.org/presentationml/2006/main">
   <p:cSld>
     <p:spTree>
@@ -7832,7 +7480,7 @@
 </p:sld>
 </file>
 
-<file path=ppt/slides/slide16.xml><?xml version="1.0" encoding="utf-8"?>
+<file path=ppt/slides/slide14.xml><?xml version="1.0" encoding="utf-8"?>
 <p:sld xmlns:a="http://schemas.openxmlformats.org/drawingml/2006/main" xmlns:r="http://schemas.openxmlformats.org/officeDocument/2006/relationships" xmlns:p="http://schemas.openxmlformats.org/presentationml/2006/main">
   <p:cSld>
     <p:spTree>
@@ -7923,7 +7571,7 @@
 </p:sld>
 </file>
 
-<file path=ppt/slides/slide17.xml><?xml version="1.0" encoding="utf-8"?>
+<file path=ppt/slides/slide15.xml><?xml version="1.0" encoding="utf-8"?>
 <p:sld xmlns:a="http://schemas.openxmlformats.org/drawingml/2006/main" xmlns:r="http://schemas.openxmlformats.org/officeDocument/2006/relationships" xmlns:p="http://schemas.openxmlformats.org/presentationml/2006/main">
   <p:cSld>
     <p:spTree>
@@ -8014,7 +7662,7 @@
 </p:sld>
 </file>
 
-<file path=ppt/slides/slide18.xml><?xml version="1.0" encoding="utf-8"?>
+<file path=ppt/slides/slide16.xml><?xml version="1.0" encoding="utf-8"?>
 <p:sld xmlns:a="http://schemas.openxmlformats.org/drawingml/2006/main" xmlns:r="http://schemas.openxmlformats.org/officeDocument/2006/relationships" xmlns:p="http://schemas.openxmlformats.org/presentationml/2006/main">
   <p:cSld>
     <p:spTree>
@@ -8105,7 +7753,7 @@
 </p:sld>
 </file>
 
-<file path=ppt/slides/slide19.xml><?xml version="1.0" encoding="utf-8"?>
+<file path=ppt/slides/slide17.xml><?xml version="1.0" encoding="utf-8"?>
 <p:sld xmlns:a="http://schemas.openxmlformats.org/drawingml/2006/main" xmlns:r="http://schemas.openxmlformats.org/officeDocument/2006/relationships" xmlns:p="http://schemas.openxmlformats.org/presentationml/2006/main">
   <p:cSld>
     <p:spTree>
@@ -8196,145 +7844,7 @@
 </p:sld>
 </file>
 
-<file path=ppt/slides/slide2.xml><?xml version="1.0" encoding="utf-8"?>
-<p:sld xmlns:a="http://schemas.openxmlformats.org/drawingml/2006/main" xmlns:r="http://schemas.openxmlformats.org/officeDocument/2006/relationships" xmlns:p="http://schemas.openxmlformats.org/presentationml/2006/main">
-  <p:cSld>
-    <p:spTree>
-      <p:nvGrpSpPr>
-        <p:cNvPr id="1" name=""/>
-        <p:cNvGrpSpPr/>
-        <p:nvPr/>
-      </p:nvGrpSpPr>
-      <p:grpSpPr>
-        <a:xfrm>
-          <a:off x="0" y="0"/>
-          <a:ext cx="0" cy="0"/>
-          <a:chOff x="0" y="0"/>
-          <a:chExt cx="0" cy="0"/>
-        </a:xfrm>
-      </p:grpSpPr>
-      <p:sp>
-        <p:nvSpPr>
-          <p:cNvPr id="2" name="Title 1"/>
-          <p:cNvSpPr>
-            <a:spLocks noGrp="1"/>
-          </p:cNvSpPr>
-          <p:nvPr>
-            <p:ph type="title"/>
-          </p:nvPr>
-        </p:nvSpPr>
-        <p:spPr/>
-        <p:txBody>
-          <a:bodyPr/>
-          <a:lstStyle/>
-          <a:p>
-            <a:r>
-              <a:rPr lang="en-US" dirty="0" smtClean="0"/>
-              <a:t>Outline</a:t>
-            </a:r>
-            <a:endParaRPr lang="en-US" dirty="0"/>
-          </a:p>
-        </p:txBody>
-      </p:sp>
-      <p:sp>
-        <p:nvSpPr>
-          <p:cNvPr id="3" name="Content Placeholder 2"/>
-          <p:cNvSpPr>
-            <a:spLocks noGrp="1"/>
-          </p:cNvSpPr>
-          <p:nvPr>
-            <p:ph idx="1"/>
-          </p:nvPr>
-        </p:nvSpPr>
-        <p:spPr/>
-        <p:txBody>
-          <a:bodyPr>
-            <a:normAutofit/>
-          </a:bodyPr>
-          <a:lstStyle/>
-          <a:p>
-            <a:r>
-              <a:rPr lang="en-US" dirty="0" smtClean="0"/>
-              <a:t>Operating system course recap</a:t>
-            </a:r>
-          </a:p>
-          <a:p>
-            <a:pPr lvl="1"/>
-            <a:r>
-              <a:rPr lang="en-US" dirty="0" smtClean="0"/>
-              <a:t>Processes and threads</a:t>
-            </a:r>
-          </a:p>
-          <a:p>
-            <a:pPr lvl="1"/>
-            <a:r>
-              <a:rPr lang="en-US" smtClean="0"/>
-              <a:t>Mutex</a:t>
-            </a:r>
-            <a:r>
-              <a:rPr lang="en-US" dirty="0" smtClean="0"/>
-              <a:t>, </a:t>
-            </a:r>
-            <a:r>
-              <a:rPr lang="en-US" dirty="0" smtClean="0"/>
-              <a:t>condition </a:t>
-            </a:r>
-            <a:r>
-              <a:rPr lang="en-US" dirty="0" smtClean="0"/>
-              <a:t>variable</a:t>
-            </a:r>
-            <a:r>
-              <a:rPr lang="en-US" smtClean="0"/>
-              <a:t>, </a:t>
-            </a:r>
-            <a:r>
-              <a:rPr lang="en-US" smtClean="0"/>
-              <a:t>message </a:t>
-            </a:r>
-            <a:r>
-              <a:rPr lang="en-US" dirty="0" smtClean="0"/>
-              <a:t>passing</a:t>
-            </a:r>
-          </a:p>
-          <a:p>
-            <a:pPr lvl="1"/>
-            <a:r>
-              <a:rPr lang="en-US" dirty="0" err="1" smtClean="0"/>
-              <a:t>Pthread</a:t>
-            </a:r>
-            <a:r>
-              <a:rPr lang="en-US" dirty="0" smtClean="0"/>
-              <a:t> and Python thread </a:t>
-            </a:r>
-            <a:r>
-              <a:rPr lang="en-US" dirty="0" smtClean="0"/>
-              <a:t>programming</a:t>
-            </a:r>
-            <a:endParaRPr lang="en-US" dirty="0" smtClean="0"/>
-          </a:p>
-        </p:txBody>
-      </p:sp>
-    </p:spTree>
-    <p:extLst>
-      <p:ext uri="{BB962C8B-B14F-4D97-AF65-F5344CB8AC3E}">
-        <p14:creationId xmlns:p14="http://schemas.microsoft.com/office/powerpoint/2010/main" val="301408162"/>
-      </p:ext>
-    </p:extLst>
-  </p:cSld>
-  <p:clrMapOvr>
-    <a:masterClrMapping/>
-  </p:clrMapOvr>
-  <p:timing>
-    <p:tnLst>
-      <p:par>
-        <p:cTn id="1" dur="indefinite" restart="never" nodeType="tmRoot"/>
-      </p:par>
-    </p:tnLst>
-  </p:timing>
-</p:sld>
-</file>
-
-<file path=ppt/slides/slide20.xml><?xml version="1.0" encoding="utf-8"?>
+<file path=ppt/slides/slide18.xml><?xml version="1.0" encoding="utf-8"?>
 <p:sld xmlns:a="http://schemas.openxmlformats.org/drawingml/2006/main" xmlns:r="http://schemas.openxmlformats.org/officeDocument/2006/relationships" xmlns:p="http://schemas.openxmlformats.org/presentationml/2006/main">
   <p:cSld>
     <p:spTree>
@@ -8485,7 +7995,7 @@
 </p:sld>
 </file>
 
-<file path=ppt/slides/slide21.xml><?xml version="1.0" encoding="utf-8"?>
+<file path=ppt/slides/slide19.xml><?xml version="1.0" encoding="utf-8"?>
 <p:sld xmlns:a="http://schemas.openxmlformats.org/drawingml/2006/main" xmlns:r="http://schemas.openxmlformats.org/officeDocument/2006/relationships" xmlns:p="http://schemas.openxmlformats.org/presentationml/2006/main">
   <p:cSld>
     <p:spTree>
@@ -8576,7 +8086,128 @@
 </p:sld>
 </file>
 
-<file path=ppt/slides/slide22.xml><?xml version="1.0" encoding="utf-8"?>
+<file path=ppt/slides/slide2.xml><?xml version="1.0" encoding="utf-8"?>
+<p:sld xmlns:a="http://schemas.openxmlformats.org/drawingml/2006/main" xmlns:r="http://schemas.openxmlformats.org/officeDocument/2006/relationships" xmlns:p="http://schemas.openxmlformats.org/presentationml/2006/main">
+  <p:cSld>
+    <p:spTree>
+      <p:nvGrpSpPr>
+        <p:cNvPr id="1" name=""/>
+        <p:cNvGrpSpPr/>
+        <p:nvPr/>
+      </p:nvGrpSpPr>
+      <p:grpSpPr>
+        <a:xfrm>
+          <a:off x="0" y="0"/>
+          <a:ext cx="0" cy="0"/>
+          <a:chOff x="0" y="0"/>
+          <a:chExt cx="0" cy="0"/>
+        </a:xfrm>
+      </p:grpSpPr>
+      <p:sp>
+        <p:nvSpPr>
+          <p:cNvPr id="2" name="Title 1"/>
+          <p:cNvSpPr>
+            <a:spLocks noGrp="1"/>
+          </p:cNvSpPr>
+          <p:nvPr>
+            <p:ph type="title"/>
+          </p:nvPr>
+        </p:nvSpPr>
+        <p:spPr/>
+        <p:txBody>
+          <a:bodyPr/>
+          <a:lstStyle/>
+          <a:p>
+            <a:r>
+              <a:rPr lang="en-US" dirty="0" smtClean="0"/>
+              <a:t>Outline</a:t>
+            </a:r>
+            <a:endParaRPr lang="en-US" dirty="0"/>
+          </a:p>
+        </p:txBody>
+      </p:sp>
+      <p:sp>
+        <p:nvSpPr>
+          <p:cNvPr id="3" name="Content Placeholder 2"/>
+          <p:cNvSpPr>
+            <a:spLocks noGrp="1"/>
+          </p:cNvSpPr>
+          <p:nvPr>
+            <p:ph idx="1"/>
+          </p:nvPr>
+        </p:nvSpPr>
+        <p:spPr/>
+        <p:txBody>
+          <a:bodyPr>
+            <a:normAutofit/>
+          </a:bodyPr>
+          <a:lstStyle/>
+          <a:p>
+            <a:r>
+              <a:rPr lang="en-US" dirty="0" smtClean="0"/>
+              <a:t>Operating system course recap</a:t>
+            </a:r>
+          </a:p>
+          <a:p>
+            <a:pPr lvl="1"/>
+            <a:r>
+              <a:rPr lang="en-US" dirty="0" smtClean="0"/>
+              <a:t>Processes and threads</a:t>
+            </a:r>
+          </a:p>
+          <a:p>
+            <a:pPr lvl="1"/>
+            <a:r>
+              <a:rPr lang="en-US" smtClean="0"/>
+              <a:t>Mutex</a:t>
+            </a:r>
+            <a:r>
+              <a:rPr lang="en-US" dirty="0" smtClean="0"/>
+              <a:t>, condition variable</a:t>
+            </a:r>
+            <a:r>
+              <a:rPr lang="en-US" smtClean="0"/>
+              <a:t>, message </a:t>
+            </a:r>
+            <a:r>
+              <a:rPr lang="en-US" dirty="0" smtClean="0"/>
+              <a:t>passing</a:t>
+            </a:r>
+          </a:p>
+          <a:p>
+            <a:pPr lvl="1"/>
+            <a:r>
+              <a:rPr lang="en-US" dirty="0" err="1" smtClean="0"/>
+              <a:t>Pthread</a:t>
+            </a:r>
+            <a:r>
+              <a:rPr lang="en-US" dirty="0" smtClean="0"/>
+              <a:t> and Python thread programming</a:t>
+            </a:r>
+          </a:p>
+        </p:txBody>
+      </p:sp>
+    </p:spTree>
+    <p:extLst>
+      <p:ext uri="{BB962C8B-B14F-4D97-AF65-F5344CB8AC3E}">
+        <p14:creationId xmlns:p14="http://schemas.microsoft.com/office/powerpoint/2010/main" val="301408162"/>
+      </p:ext>
+    </p:extLst>
+  </p:cSld>
+  <p:clrMapOvr>
+    <a:masterClrMapping/>
+  </p:clrMapOvr>
+  <p:timing>
+    <p:tnLst>
+      <p:par>
+        <p:cTn id="1" dur="indefinite" restart="never" nodeType="tmRoot"/>
+      </p:par>
+    </p:tnLst>
+  </p:timing>
+</p:sld>
+</file>
+
+<file path=ppt/slides/slide20.xml><?xml version="1.0" encoding="utf-8"?>
 <p:sld xmlns:a="http://schemas.openxmlformats.org/drawingml/2006/main" xmlns:r="http://schemas.openxmlformats.org/officeDocument/2006/relationships" xmlns:p="http://schemas.openxmlformats.org/presentationml/2006/main">
   <p:cSld>
     <p:spTree>
@@ -8667,7 +8298,7 @@
 </p:sld>
 </file>
 
-<file path=ppt/slides/slide23.xml><?xml version="1.0" encoding="utf-8"?>
+<file path=ppt/slides/slide21.xml><?xml version="1.0" encoding="utf-8"?>
 <p:sld xmlns:a="http://schemas.openxmlformats.org/drawingml/2006/main" xmlns:r="http://schemas.openxmlformats.org/officeDocument/2006/relationships" xmlns:p="http://schemas.openxmlformats.org/presentationml/2006/main">
   <p:cSld>
     <p:spTree>
@@ -8754,7 +8385,7 @@
 </p:sld>
 </file>
 
-<file path=ppt/slides/slide24.xml><?xml version="1.0" encoding="utf-8"?>
+<file path=ppt/slides/slide22.xml><?xml version="1.0" encoding="utf-8"?>
 <p:sld xmlns:a="http://schemas.openxmlformats.org/drawingml/2006/main" xmlns:r="http://schemas.openxmlformats.org/officeDocument/2006/relationships" xmlns:p="http://schemas.openxmlformats.org/presentationml/2006/main">
   <p:cSld>
     <p:spTree>
@@ -8823,7 +8454,7 @@
               <a:pPr>
                 <a:defRPr/>
               </a:pPr>
-              <a:t>24</a:t>
+              <a:t>22</a:t>
             </a:fld>
             <a:endParaRPr lang="nb-NO" dirty="0"/>
           </a:p>
@@ -9587,7 +9218,7 @@
 </p:sld>
 </file>
 
-<file path=ppt/slides/slide25.xml><?xml version="1.0" encoding="utf-8"?>
+<file path=ppt/slides/slide23.xml><?xml version="1.0" encoding="utf-8"?>
 <p:sld xmlns:a="http://schemas.openxmlformats.org/drawingml/2006/main" xmlns:r="http://schemas.openxmlformats.org/officeDocument/2006/relationships" xmlns:p="http://schemas.openxmlformats.org/presentationml/2006/main">
   <p:cSld>
     <p:spTree>
@@ -9807,7 +9438,7 @@
             <a:fld id="{919DBCD4-77E7-4AAB-8D3F-D13DC55CDBA1}" type="slidenum">
               <a:rPr lang="en-US" smtClean="0"/>
               <a:pPr/>
-              <a:t>25</a:t>
+              <a:t>23</a:t>
             </a:fld>
             <a:endParaRPr lang="en-US"/>
           </a:p>
@@ -9833,7 +9464,7 @@
 </p:sld>
 </file>
 
-<file path=ppt/slides/slide26.xml><?xml version="1.0" encoding="utf-8"?>
+<file path=ppt/slides/slide24.xml><?xml version="1.0" encoding="utf-8"?>
 <p:sld xmlns:a="http://schemas.openxmlformats.org/drawingml/2006/main" xmlns:r="http://schemas.openxmlformats.org/officeDocument/2006/relationships" xmlns:p="http://schemas.openxmlformats.org/presentationml/2006/main">
   <p:cSld>
     <p:spTree>
@@ -11616,7 +11247,7 @@
             <a:fld id="{8A4194E1-952C-4FB6-B572-F0DB73F2DBCB}" type="slidenum">
               <a:rPr lang="en-US" smtClean="0"/>
               <a:pPr/>
-              <a:t>26</a:t>
+              <a:t>24</a:t>
             </a:fld>
             <a:endParaRPr lang="en-US"/>
           </a:p>
@@ -11642,7 +11273,7 @@
 </p:sld>
 </file>
 
-<file path=ppt/slides/slide27.xml><?xml version="1.0" encoding="utf-8"?>
+<file path=ppt/slides/slide25.xml><?xml version="1.0" encoding="utf-8"?>
 <p:sld xmlns:a="http://schemas.openxmlformats.org/drawingml/2006/main" xmlns:r="http://schemas.openxmlformats.org/officeDocument/2006/relationships" xmlns:p="http://schemas.openxmlformats.org/presentationml/2006/main">
   <p:cSld>
     <p:spTree>
@@ -11818,7 +11449,7 @@
             <a:fld id="{919DBCD4-77E7-4AAB-8D3F-D13DC55CDBA1}" type="slidenum">
               <a:rPr lang="en-US" smtClean="0"/>
               <a:pPr/>
-              <a:t>27</a:t>
+              <a:t>25</a:t>
             </a:fld>
             <a:endParaRPr lang="en-US"/>
           </a:p>
@@ -11844,7 +11475,7 @@
 </p:sld>
 </file>
 
-<file path=ppt/slides/slide28.xml><?xml version="1.0" encoding="utf-8"?>
+<file path=ppt/slides/slide26.xml><?xml version="1.0" encoding="utf-8"?>
 <p:sld xmlns:a="http://schemas.openxmlformats.org/drawingml/2006/main" xmlns:r="http://schemas.openxmlformats.org/officeDocument/2006/relationships" xmlns:p="http://schemas.openxmlformats.org/presentationml/2006/main">
   <p:cSld>
     <p:spTree>
@@ -12144,7 +11775,7 @@
               <a:pPr>
                 <a:defRPr/>
               </a:pPr>
-              <a:t>28</a:t>
+              <a:t>26</a:t>
             </a:fld>
             <a:endParaRPr lang="nb-NO" dirty="0"/>
           </a:p>
@@ -12170,7 +11801,7 @@
 </p:sld>
 </file>
 
-<file path=ppt/slides/slide29.xml><?xml version="1.0" encoding="utf-8"?>
+<file path=ppt/slides/slide27.xml><?xml version="1.0" encoding="utf-8"?>
 <p:sld xmlns:a="http://schemas.openxmlformats.org/drawingml/2006/main" xmlns:r="http://schemas.openxmlformats.org/officeDocument/2006/relationships" xmlns:p="http://schemas.openxmlformats.org/presentationml/2006/main">
   <p:cSld>
     <p:spTree>
@@ -12456,153 +12087,7 @@
 </p:sld>
 </file>
 
-<file path=ppt/slides/slide3.xml><?xml version="1.0" encoding="utf-8"?>
-<p:sld xmlns:a="http://schemas.openxmlformats.org/drawingml/2006/main" xmlns:r="http://schemas.openxmlformats.org/officeDocument/2006/relationships" xmlns:p="http://schemas.openxmlformats.org/presentationml/2006/main">
-  <p:cSld>
-    <p:spTree>
-      <p:nvGrpSpPr>
-        <p:cNvPr id="1" name=""/>
-        <p:cNvGrpSpPr/>
-        <p:nvPr/>
-      </p:nvGrpSpPr>
-      <p:grpSpPr>
-        <a:xfrm>
-          <a:off x="0" y="0"/>
-          <a:ext cx="0" cy="0"/>
-          <a:chOff x="0" y="0"/>
-          <a:chExt cx="0" cy="0"/>
-        </a:xfrm>
-      </p:grpSpPr>
-      <p:sp>
-        <p:nvSpPr>
-          <p:cNvPr id="2" name="Title 1"/>
-          <p:cNvSpPr>
-            <a:spLocks noGrp="1"/>
-          </p:cNvSpPr>
-          <p:nvPr>
-            <p:ph type="title"/>
-          </p:nvPr>
-        </p:nvSpPr>
-        <p:spPr/>
-        <p:txBody>
-          <a:bodyPr/>
-          <a:lstStyle/>
-          <a:p>
-            <a:r>
-              <a:rPr lang="en-US" dirty="0" smtClean="0"/>
-              <a:t>Some statistics</a:t>
-            </a:r>
-            <a:endParaRPr lang="en-US" dirty="0"/>
-          </a:p>
-        </p:txBody>
-      </p:sp>
-      <p:sp>
-        <p:nvSpPr>
-          <p:cNvPr id="3" name="Content Placeholder 2"/>
-          <p:cNvSpPr>
-            <a:spLocks noGrp="1"/>
-          </p:cNvSpPr>
-          <p:nvPr>
-            <p:ph idx="1"/>
-          </p:nvPr>
-        </p:nvSpPr>
-        <p:spPr/>
-        <p:txBody>
-          <a:bodyPr/>
-          <a:lstStyle/>
-          <a:p>
-            <a:r>
-              <a:rPr lang="en-US" dirty="0" smtClean="0"/>
-              <a:t>Students in </a:t>
-            </a:r>
-            <a:r>
-              <a:rPr lang="en-US" dirty="0" err="1" smtClean="0"/>
-              <a:t>Fronter</a:t>
-            </a:r>
-            <a:r>
-              <a:rPr lang="en-US" dirty="0" smtClean="0"/>
-              <a:t>: 39</a:t>
-            </a:r>
-          </a:p>
-          <a:p>
-            <a:r>
-              <a:rPr lang="is-IS" dirty="0" smtClean="0"/>
-              <a:t>…</a:t>
-            </a:r>
-            <a:r>
-              <a:rPr lang="en-US" dirty="0" smtClean="0"/>
-              <a:t>that attended first lecture: ~50%</a:t>
-            </a:r>
-          </a:p>
-          <a:p>
-            <a:r>
-              <a:rPr lang="is-IS" dirty="0" smtClean="0"/>
-              <a:t>…</a:t>
-            </a:r>
-            <a:r>
-              <a:rPr lang="en-US" dirty="0" smtClean="0"/>
-              <a:t>have been in </a:t>
-            </a:r>
-            <a:r>
-              <a:rPr lang="en-US" dirty="0" err="1" smtClean="0"/>
-              <a:t>Fronter</a:t>
-            </a:r>
-            <a:r>
-              <a:rPr lang="en-US" dirty="0" smtClean="0"/>
-              <a:t> room: 90%</a:t>
-            </a:r>
-          </a:p>
-          <a:p>
-            <a:pPr lvl="1"/>
-            <a:r>
-              <a:rPr lang="is-IS" dirty="0" smtClean="0"/>
-              <a:t>…in the last week: 85%</a:t>
-            </a:r>
-          </a:p>
-          <a:p>
-            <a:r>
-              <a:rPr lang="is-IS" dirty="0" smtClean="0"/>
-              <a:t>...members of GitHub organization: 67% (74% incl. invited)</a:t>
-            </a:r>
-          </a:p>
-          <a:p>
-            <a:r>
-              <a:rPr lang="is-IS" dirty="0" smtClean="0"/>
-              <a:t>...subscribed to mailing list: 56%</a:t>
-            </a:r>
-          </a:p>
-          <a:p>
-            <a:r>
-              <a:rPr lang="is-IS" dirty="0" smtClean="0"/>
-              <a:t>...cloned mandatory assignment 1: 28%</a:t>
-            </a:r>
-          </a:p>
-          <a:p>
-            <a:pPr lvl="1"/>
-            <a:r>
-              <a:rPr lang="is-IS" dirty="0" smtClean="0"/>
-              <a:t>(unique vistors: 32)</a:t>
-            </a:r>
-          </a:p>
-          <a:p>
-            <a:endParaRPr lang="en-US" dirty="0"/>
-          </a:p>
-        </p:txBody>
-      </p:sp>
-    </p:spTree>
-    <p:extLst>
-      <p:ext uri="{BB962C8B-B14F-4D97-AF65-F5344CB8AC3E}">
-        <p14:creationId xmlns:p14="http://schemas.microsoft.com/office/powerpoint/2010/main" val="1806829324"/>
-      </p:ext>
-    </p:extLst>
-  </p:cSld>
-  <p:clrMapOvr>
-    <a:masterClrMapping/>
-  </p:clrMapOvr>
-</p:sld>
-</file>
-
-<file path=ppt/slides/slide30.xml><?xml version="1.0" encoding="utf-8"?>
+<file path=ppt/slides/slide28.xml><?xml version="1.0" encoding="utf-8"?>
 <p:sld xmlns:a="http://schemas.openxmlformats.org/drawingml/2006/main" xmlns:r="http://schemas.openxmlformats.org/officeDocument/2006/relationships" xmlns:p="http://schemas.openxmlformats.org/presentationml/2006/main">
   <p:cSld>
     <p:spTree>
@@ -12913,7 +12398,7 @@
 </p:sld>
 </file>
 
-<file path=ppt/slides/slide31.xml><?xml version="1.0" encoding="utf-8"?>
+<file path=ppt/slides/slide29.xml><?xml version="1.0" encoding="utf-8"?>
 <p:sld xmlns:a="http://schemas.openxmlformats.org/drawingml/2006/main" xmlns:r="http://schemas.openxmlformats.org/officeDocument/2006/relationships" xmlns:p="http://schemas.openxmlformats.org/presentationml/2006/main">
   <p:cSld>
     <p:spTree>
@@ -13358,7 +12843,153 @@
 </p:sld>
 </file>
 
-<file path=ppt/slides/slide32.xml><?xml version="1.0" encoding="utf-8"?>
+<file path=ppt/slides/slide3.xml><?xml version="1.0" encoding="utf-8"?>
+<p:sld xmlns:a="http://schemas.openxmlformats.org/drawingml/2006/main" xmlns:r="http://schemas.openxmlformats.org/officeDocument/2006/relationships" xmlns:p="http://schemas.openxmlformats.org/presentationml/2006/main">
+  <p:cSld>
+    <p:spTree>
+      <p:nvGrpSpPr>
+        <p:cNvPr id="1" name=""/>
+        <p:cNvGrpSpPr/>
+        <p:nvPr/>
+      </p:nvGrpSpPr>
+      <p:grpSpPr>
+        <a:xfrm>
+          <a:off x="0" y="0"/>
+          <a:ext cx="0" cy="0"/>
+          <a:chOff x="0" y="0"/>
+          <a:chExt cx="0" cy="0"/>
+        </a:xfrm>
+      </p:grpSpPr>
+      <p:sp>
+        <p:nvSpPr>
+          <p:cNvPr id="2" name="Title 1"/>
+          <p:cNvSpPr>
+            <a:spLocks noGrp="1"/>
+          </p:cNvSpPr>
+          <p:nvPr>
+            <p:ph type="title"/>
+          </p:nvPr>
+        </p:nvSpPr>
+        <p:spPr/>
+        <p:txBody>
+          <a:bodyPr/>
+          <a:lstStyle/>
+          <a:p>
+            <a:r>
+              <a:rPr lang="en-US" dirty="0" smtClean="0"/>
+              <a:t>Some statistics</a:t>
+            </a:r>
+            <a:endParaRPr lang="en-US" dirty="0"/>
+          </a:p>
+        </p:txBody>
+      </p:sp>
+      <p:sp>
+        <p:nvSpPr>
+          <p:cNvPr id="3" name="Content Placeholder 2"/>
+          <p:cNvSpPr>
+            <a:spLocks noGrp="1"/>
+          </p:cNvSpPr>
+          <p:nvPr>
+            <p:ph idx="1"/>
+          </p:nvPr>
+        </p:nvSpPr>
+        <p:spPr/>
+        <p:txBody>
+          <a:bodyPr/>
+          <a:lstStyle/>
+          <a:p>
+            <a:r>
+              <a:rPr lang="en-US" dirty="0" smtClean="0"/>
+              <a:t>Students in </a:t>
+            </a:r>
+            <a:r>
+              <a:rPr lang="en-US" dirty="0" err="1" smtClean="0"/>
+              <a:t>Fronter</a:t>
+            </a:r>
+            <a:r>
+              <a:rPr lang="en-US" dirty="0" smtClean="0"/>
+              <a:t>: 39</a:t>
+            </a:r>
+          </a:p>
+          <a:p>
+            <a:r>
+              <a:rPr lang="is-IS" dirty="0" smtClean="0"/>
+              <a:t>…</a:t>
+            </a:r>
+            <a:r>
+              <a:rPr lang="en-US" dirty="0" smtClean="0"/>
+              <a:t>that attended first lecture: ~50%</a:t>
+            </a:r>
+          </a:p>
+          <a:p>
+            <a:r>
+              <a:rPr lang="is-IS" dirty="0" smtClean="0"/>
+              <a:t>…</a:t>
+            </a:r>
+            <a:r>
+              <a:rPr lang="en-US" dirty="0" smtClean="0"/>
+              <a:t>have been in </a:t>
+            </a:r>
+            <a:r>
+              <a:rPr lang="en-US" dirty="0" err="1" smtClean="0"/>
+              <a:t>Fronter</a:t>
+            </a:r>
+            <a:r>
+              <a:rPr lang="en-US" dirty="0" smtClean="0"/>
+              <a:t> room: 90%</a:t>
+            </a:r>
+          </a:p>
+          <a:p>
+            <a:pPr lvl="1"/>
+            <a:r>
+              <a:rPr lang="is-IS" dirty="0" smtClean="0"/>
+              <a:t>…in the last week: 85%</a:t>
+            </a:r>
+          </a:p>
+          <a:p>
+            <a:r>
+              <a:rPr lang="is-IS" dirty="0" smtClean="0"/>
+              <a:t>...members of GitHub organization: 67% (74% incl. invited)</a:t>
+            </a:r>
+          </a:p>
+          <a:p>
+            <a:r>
+              <a:rPr lang="is-IS" dirty="0" smtClean="0"/>
+              <a:t>...subscribed to mailing list: 56%</a:t>
+            </a:r>
+          </a:p>
+          <a:p>
+            <a:r>
+              <a:rPr lang="is-IS" dirty="0" smtClean="0"/>
+              <a:t>...cloned mandatory assignment 1: 28%</a:t>
+            </a:r>
+          </a:p>
+          <a:p>
+            <a:pPr lvl="1"/>
+            <a:r>
+              <a:rPr lang="is-IS" dirty="0" smtClean="0"/>
+              <a:t>(unique vistors: 32)</a:t>
+            </a:r>
+          </a:p>
+          <a:p>
+            <a:endParaRPr lang="en-US" dirty="0"/>
+          </a:p>
+        </p:txBody>
+      </p:sp>
+    </p:spTree>
+    <p:extLst>
+      <p:ext uri="{BB962C8B-B14F-4D97-AF65-F5344CB8AC3E}">
+        <p14:creationId xmlns:p14="http://schemas.microsoft.com/office/powerpoint/2010/main" val="1806829324"/>
+      </p:ext>
+    </p:extLst>
+  </p:cSld>
+  <p:clrMapOvr>
+    <a:masterClrMapping/>
+  </p:clrMapOvr>
+</p:sld>
+</file>
+
+<file path=ppt/slides/slide30.xml><?xml version="1.0" encoding="utf-8"?>
 <p:sld xmlns:a="http://schemas.openxmlformats.org/drawingml/2006/main" xmlns:r="http://schemas.openxmlformats.org/officeDocument/2006/relationships" xmlns:p="http://schemas.openxmlformats.org/presentationml/2006/main">
   <p:cSld>
     <p:spTree>
@@ -13667,7 +13298,7 @@
 </p:sld>
 </file>
 
-<file path=ppt/slides/slide33.xml><?xml version="1.0" encoding="utf-8"?>
+<file path=ppt/slides/slide31.xml><?xml version="1.0" encoding="utf-8"?>
 <p:sld xmlns:a="http://schemas.openxmlformats.org/drawingml/2006/main" xmlns:r="http://schemas.openxmlformats.org/officeDocument/2006/relationships" xmlns:p="http://schemas.openxmlformats.org/presentationml/2006/main">
   <p:cSld>
     <p:spTree>
@@ -13953,7 +13584,7 @@
 </p:sld>
 </file>
 
-<file path=ppt/slides/slide34.xml><?xml version="1.0" encoding="utf-8"?>
+<file path=ppt/slides/slide32.xml><?xml version="1.0" encoding="utf-8"?>
 <p:sld xmlns:a="http://schemas.openxmlformats.org/drawingml/2006/main" xmlns:r="http://schemas.openxmlformats.org/officeDocument/2006/relationships" xmlns:p="http://schemas.openxmlformats.org/presentationml/2006/main">
   <p:cSld>
     <p:spTree>
@@ -14166,7 +13797,7 @@
               <a:pPr>
                 <a:defRPr/>
               </a:pPr>
-              <a:t>34</a:t>
+              <a:t>32</a:t>
             </a:fld>
             <a:endParaRPr lang="nb-NO" dirty="0"/>
           </a:p>
@@ -14192,7 +13823,7 @@
 </p:sld>
 </file>
 
-<file path=ppt/slides/slide35.xml><?xml version="1.0" encoding="utf-8"?>
+<file path=ppt/slides/slide33.xml><?xml version="1.0" encoding="utf-8"?>
 <p:sld xmlns:a="http://schemas.openxmlformats.org/drawingml/2006/main" xmlns:r="http://schemas.openxmlformats.org/officeDocument/2006/relationships" xmlns:p="http://schemas.openxmlformats.org/presentationml/2006/main">
   <p:cSld>
     <p:spTree>
@@ -14488,7 +14119,7 @@
 </p:sld>
 </file>
 
-<file path=ppt/slides/slide36.xml><?xml version="1.0" encoding="utf-8"?>
+<file path=ppt/slides/slide34.xml><?xml version="1.0" encoding="utf-8"?>
 <p:sld xmlns:a="http://schemas.openxmlformats.org/drawingml/2006/main" xmlns:r="http://schemas.openxmlformats.org/officeDocument/2006/relationships" xmlns:p="http://schemas.openxmlformats.org/presentationml/2006/main">
   <p:cSld>
     <p:spTree>
@@ -14881,7 +14512,7 @@
 </p:sld>
 </file>
 
-<file path=ppt/slides/slide37.xml><?xml version="1.0" encoding="utf-8"?>
+<file path=ppt/slides/slide35.xml><?xml version="1.0" encoding="utf-8"?>
 <p:sld xmlns:a="http://schemas.openxmlformats.org/drawingml/2006/main" xmlns:r="http://schemas.openxmlformats.org/officeDocument/2006/relationships" xmlns:p="http://schemas.openxmlformats.org/presentationml/2006/main">
   <p:cSld>
     <p:spTree>
@@ -15163,7 +14794,7 @@
 </p:sld>
 </file>
 
-<file path=ppt/slides/slide38.xml><?xml version="1.0" encoding="utf-8"?>
+<file path=ppt/slides/slide36.xml><?xml version="1.0" encoding="utf-8"?>
 <p:sld xmlns:a="http://schemas.openxmlformats.org/drawingml/2006/main" xmlns:r="http://schemas.openxmlformats.org/officeDocument/2006/relationships" xmlns:p="http://schemas.openxmlformats.org/presentationml/2006/main">
   <p:cSld>
     <p:spTree>
@@ -15459,7 +15090,7 @@
 </p:sld>
 </file>
 
-<file path=ppt/slides/slide39.xml><?xml version="1.0" encoding="utf-8"?>
+<file path=ppt/slides/slide37.xml><?xml version="1.0" encoding="utf-8"?>
 <p:sld xmlns:a="http://schemas.openxmlformats.org/drawingml/2006/main" xmlns:r="http://schemas.openxmlformats.org/officeDocument/2006/relationships" xmlns:p="http://schemas.openxmlformats.org/presentationml/2006/main">
   <p:cSld>
     <p:spTree>
@@ -15651,7 +15282,7 @@
               <a:pPr>
                 <a:defRPr/>
               </a:pPr>
-              <a:t>39</a:t>
+              <a:t>37</a:t>
             </a:fld>
             <a:endParaRPr lang="nb-NO" dirty="0"/>
           </a:p>
@@ -15677,7 +15308,7 @@
 </p:sld>
 </file>
 
-<file path=ppt/slides/slide4.xml><?xml version="1.0" encoding="utf-8"?>
+<file path=ppt/slides/slide38.xml><?xml version="1.0" encoding="utf-8"?>
 <p:sld xmlns:a="http://schemas.openxmlformats.org/drawingml/2006/main" xmlns:r="http://schemas.openxmlformats.org/officeDocument/2006/relationships" xmlns:p="http://schemas.openxmlformats.org/presentationml/2006/main">
   <p:cSld>
     <p:spTree>
@@ -15704,118 +15335,6 @@
             <p:ph type="title"/>
           </p:nvPr>
         </p:nvSpPr>
-        <p:spPr/>
-        <p:txBody>
-          <a:bodyPr/>
-          <a:lstStyle/>
-          <a:p>
-            <a:r>
-              <a:rPr lang="en-US" dirty="0" smtClean="0"/>
-              <a:t>Processes and non-preemptive scheduling</a:t>
-            </a:r>
-            <a:endParaRPr lang="en-US" dirty="0"/>
-          </a:p>
-        </p:txBody>
-      </p:sp>
-      <p:sp>
-        <p:nvSpPr>
-          <p:cNvPr id="3" name="Content Placeholder 2"/>
-          <p:cNvSpPr>
-            <a:spLocks noGrp="1"/>
-          </p:cNvSpPr>
-          <p:nvPr>
-            <p:ph idx="1"/>
-          </p:nvPr>
-        </p:nvSpPr>
-        <p:spPr>
-          <a:xfrm>
-            <a:off x="329282" y="1751183"/>
-            <a:ext cx="8229600" cy="4374980"/>
-          </a:xfrm>
-        </p:spPr>
-        <p:txBody>
-          <a:bodyPr/>
-          <a:lstStyle/>
-          <a:p>
-            <a:r>
-              <a:rPr lang="en-US" dirty="0" smtClean="0"/>
-              <a:t>Based on slides by:</a:t>
-            </a:r>
-          </a:p>
-          <a:p>
-            <a:pPr lvl="1"/>
-            <a:r>
-              <a:rPr lang="en-US" dirty="0" smtClean="0"/>
-              <a:t>Tore </a:t>
-            </a:r>
-            <a:r>
-              <a:rPr lang="en-US" dirty="0"/>
-              <a:t>Larsen University of Tromsø </a:t>
-            </a:r>
-          </a:p>
-          <a:p>
-            <a:pPr lvl="1"/>
-            <a:r>
-              <a:rPr lang="en-US" dirty="0"/>
-              <a:t>Otto J. Anshus University of Tromsø, University of Oslo </a:t>
-            </a:r>
-          </a:p>
-          <a:p>
-            <a:pPr lvl="1"/>
-            <a:r>
-              <a:rPr lang="en-US" dirty="0"/>
-              <a:t>Kai Li Princeton University</a:t>
-            </a:r>
-          </a:p>
-        </p:txBody>
-      </p:sp>
-    </p:spTree>
-    <p:extLst>
-      <p:ext uri="{BB962C8B-B14F-4D97-AF65-F5344CB8AC3E}">
-        <p14:creationId xmlns:p14="http://schemas.microsoft.com/office/powerpoint/2010/main" val="2176990826"/>
-      </p:ext>
-    </p:extLst>
-  </p:cSld>
-  <p:clrMapOvr>
-    <a:masterClrMapping/>
-  </p:clrMapOvr>
-  <p:timing>
-    <p:tnLst>
-      <p:par>
-        <p:cTn id="1" dur="indefinite" restart="never" nodeType="tmRoot"/>
-      </p:par>
-    </p:tnLst>
-  </p:timing>
-</p:sld>
-</file>
-
-<file path=ppt/slides/slide40.xml><?xml version="1.0" encoding="utf-8"?>
-<p:sld xmlns:a="http://schemas.openxmlformats.org/drawingml/2006/main" xmlns:r="http://schemas.openxmlformats.org/officeDocument/2006/relationships" xmlns:p="http://schemas.openxmlformats.org/presentationml/2006/main">
-  <p:cSld>
-    <p:spTree>
-      <p:nvGrpSpPr>
-        <p:cNvPr id="1" name=""/>
-        <p:cNvGrpSpPr/>
-        <p:nvPr/>
-      </p:nvGrpSpPr>
-      <p:grpSpPr>
-        <a:xfrm>
-          <a:off x="0" y="0"/>
-          <a:ext cx="0" cy="0"/>
-          <a:chOff x="0" y="0"/>
-          <a:chExt cx="0" cy="0"/>
-        </a:xfrm>
-      </p:grpSpPr>
-      <p:sp>
-        <p:nvSpPr>
-          <p:cNvPr id="2" name="Title 1"/>
-          <p:cNvSpPr>
-            <a:spLocks noGrp="1"/>
-          </p:cNvSpPr>
-          <p:nvPr>
-            <p:ph type="title"/>
-          </p:nvPr>
-        </p:nvSpPr>
         <p:spPr>
           <a:xfrm>
             <a:off x="590550" y="206749"/>
@@ -15937,7 +15456,7 @@
               <a:pPr>
                 <a:defRPr/>
               </a:pPr>
-              <a:t>40</a:t>
+              <a:t>38</a:t>
             </a:fld>
             <a:endParaRPr lang="nb-NO" dirty="0"/>
           </a:p>
@@ -15989,7 +15508,7 @@
 </p:sld>
 </file>
 
-<file path=ppt/slides/slide41.xml><?xml version="1.0" encoding="utf-8"?>
+<file path=ppt/slides/slide39.xml><?xml version="1.0" encoding="utf-8"?>
 <p:sld xmlns:a="http://schemas.openxmlformats.org/drawingml/2006/main" xmlns:r="http://schemas.openxmlformats.org/officeDocument/2006/relationships" xmlns:p="http://schemas.openxmlformats.org/presentationml/2006/main">
   <p:cSld>
     <p:spTree>
@@ -16315,7 +15834,7 @@
               <a:pPr>
                 <a:defRPr/>
               </a:pPr>
-              <a:t>41</a:t>
+              <a:t>39</a:t>
             </a:fld>
             <a:endParaRPr lang="nb-NO" dirty="0"/>
           </a:p>
@@ -16341,7 +15860,7 @@
 </p:sld>
 </file>
 
-<file path=ppt/slides/slide42.xml><?xml version="1.0" encoding="utf-8"?>
+<file path=ppt/slides/slide4.xml><?xml version="1.0" encoding="utf-8"?>
 <p:sld xmlns:a="http://schemas.openxmlformats.org/drawingml/2006/main" xmlns:r="http://schemas.openxmlformats.org/officeDocument/2006/relationships" xmlns:p="http://schemas.openxmlformats.org/presentationml/2006/main">
   <p:cSld>
     <p:spTree>
@@ -16368,6 +15887,118 @@
             <p:ph type="title"/>
           </p:nvPr>
         </p:nvSpPr>
+        <p:spPr/>
+        <p:txBody>
+          <a:bodyPr/>
+          <a:lstStyle/>
+          <a:p>
+            <a:r>
+              <a:rPr lang="en-US" dirty="0" smtClean="0"/>
+              <a:t>Processes and non-preemptive scheduling</a:t>
+            </a:r>
+            <a:endParaRPr lang="en-US" dirty="0"/>
+          </a:p>
+        </p:txBody>
+      </p:sp>
+      <p:sp>
+        <p:nvSpPr>
+          <p:cNvPr id="3" name="Content Placeholder 2"/>
+          <p:cNvSpPr>
+            <a:spLocks noGrp="1"/>
+          </p:cNvSpPr>
+          <p:nvPr>
+            <p:ph idx="1"/>
+          </p:nvPr>
+        </p:nvSpPr>
+        <p:spPr>
+          <a:xfrm>
+            <a:off x="329282" y="1751183"/>
+            <a:ext cx="8229600" cy="4374980"/>
+          </a:xfrm>
+        </p:spPr>
+        <p:txBody>
+          <a:bodyPr/>
+          <a:lstStyle/>
+          <a:p>
+            <a:r>
+              <a:rPr lang="en-US" dirty="0" smtClean="0"/>
+              <a:t>Based on slides by:</a:t>
+            </a:r>
+          </a:p>
+          <a:p>
+            <a:pPr lvl="1"/>
+            <a:r>
+              <a:rPr lang="en-US" dirty="0" smtClean="0"/>
+              <a:t>Tore </a:t>
+            </a:r>
+            <a:r>
+              <a:rPr lang="en-US" dirty="0"/>
+              <a:t>Larsen University of Tromsø </a:t>
+            </a:r>
+          </a:p>
+          <a:p>
+            <a:pPr lvl="1"/>
+            <a:r>
+              <a:rPr lang="en-US" dirty="0"/>
+              <a:t>Otto J. Anshus University of Tromsø, University of Oslo </a:t>
+            </a:r>
+          </a:p>
+          <a:p>
+            <a:pPr lvl="1"/>
+            <a:r>
+              <a:rPr lang="en-US" dirty="0"/>
+              <a:t>Kai Li Princeton University</a:t>
+            </a:r>
+          </a:p>
+        </p:txBody>
+      </p:sp>
+    </p:spTree>
+    <p:extLst>
+      <p:ext uri="{BB962C8B-B14F-4D97-AF65-F5344CB8AC3E}">
+        <p14:creationId xmlns:p14="http://schemas.microsoft.com/office/powerpoint/2010/main" val="2176990826"/>
+      </p:ext>
+    </p:extLst>
+  </p:cSld>
+  <p:clrMapOvr>
+    <a:masterClrMapping/>
+  </p:clrMapOvr>
+  <p:timing>
+    <p:tnLst>
+      <p:par>
+        <p:cTn id="1" dur="indefinite" restart="never" nodeType="tmRoot"/>
+      </p:par>
+    </p:tnLst>
+  </p:timing>
+</p:sld>
+</file>
+
+<file path=ppt/slides/slide40.xml><?xml version="1.0" encoding="utf-8"?>
+<p:sld xmlns:a="http://schemas.openxmlformats.org/drawingml/2006/main" xmlns:r="http://schemas.openxmlformats.org/officeDocument/2006/relationships" xmlns:p="http://schemas.openxmlformats.org/presentationml/2006/main">
+  <p:cSld>
+    <p:spTree>
+      <p:nvGrpSpPr>
+        <p:cNvPr id="1" name=""/>
+        <p:cNvGrpSpPr/>
+        <p:nvPr/>
+      </p:nvGrpSpPr>
+      <p:grpSpPr>
+        <a:xfrm>
+          <a:off x="0" y="0"/>
+          <a:ext cx="0" cy="0"/>
+          <a:chOff x="0" y="0"/>
+          <a:chExt cx="0" cy="0"/>
+        </a:xfrm>
+      </p:grpSpPr>
+      <p:sp>
+        <p:nvSpPr>
+          <p:cNvPr id="2" name="Title 1"/>
+          <p:cNvSpPr>
+            <a:spLocks noGrp="1"/>
+          </p:cNvSpPr>
+          <p:nvPr>
+            <p:ph type="title"/>
+          </p:nvPr>
+        </p:nvSpPr>
         <p:spPr>
           <a:xfrm>
             <a:off x="611187" y="314325"/>
@@ -16613,7 +16244,7 @@
               <a:pPr>
                 <a:defRPr/>
               </a:pPr>
-              <a:t>42</a:t>
+              <a:t>40</a:t>
             </a:fld>
             <a:endParaRPr lang="nb-NO" dirty="0"/>
           </a:p>
@@ -16639,7 +16270,7 @@
 </p:sld>
 </file>
 
-<file path=ppt/slides/slide43.xml><?xml version="1.0" encoding="utf-8"?>
+<file path=ppt/slides/slide41.xml><?xml version="1.0" encoding="utf-8"?>
 <p:sld xmlns:a="http://schemas.openxmlformats.org/drawingml/2006/main" xmlns:r="http://schemas.openxmlformats.org/officeDocument/2006/relationships" xmlns:p="http://schemas.openxmlformats.org/presentationml/2006/main">
   <p:cSld>
     <p:spTree>
@@ -16715,7 +16346,7 @@
 </p:sld>
 </file>
 
-<file path=ppt/slides/slide44.xml><?xml version="1.0" encoding="utf-8"?>
+<file path=ppt/slides/slide42.xml><?xml version="1.0" encoding="utf-8"?>
 <p:sld xmlns:a="http://schemas.openxmlformats.org/drawingml/2006/main" xmlns:r="http://schemas.openxmlformats.org/officeDocument/2006/relationships" xmlns:p="http://schemas.openxmlformats.org/presentationml/2006/main">
   <p:cSld>
     <p:spTree>
@@ -16799,7 +16430,7 @@
 </p:sld>
 </file>
 
-<file path=ppt/slides/slide45.xml><?xml version="1.0" encoding="utf-8"?>
+<file path=ppt/slides/slide43.xml><?xml version="1.0" encoding="utf-8"?>
 <p:sld xmlns:a="http://schemas.openxmlformats.org/drawingml/2006/main" xmlns:r="http://schemas.openxmlformats.org/officeDocument/2006/relationships" xmlns:p="http://schemas.openxmlformats.org/presentationml/2006/main">
   <p:cSld>
     <p:spTree>
@@ -16875,7 +16506,7 @@
 </p:sld>
 </file>
 
-<file path=ppt/slides/slide46.xml><?xml version="1.0" encoding="utf-8"?>
+<file path=ppt/slides/slide44.xml><?xml version="1.0" encoding="utf-8"?>
 <p:sld xmlns:a="http://schemas.openxmlformats.org/drawingml/2006/main" xmlns:r="http://schemas.openxmlformats.org/officeDocument/2006/relationships" xmlns:p="http://schemas.openxmlformats.org/presentationml/2006/main">
   <p:cSld>
     <p:spTree>
@@ -16959,7 +16590,7 @@
 </p:sld>
 </file>
 
-<file path=ppt/slides/slide47.xml><?xml version="1.0" encoding="utf-8"?>
+<file path=ppt/slides/slide45.xml><?xml version="1.0" encoding="utf-8"?>
 <p:sld xmlns:a="http://schemas.openxmlformats.org/drawingml/2006/main" xmlns:r="http://schemas.openxmlformats.org/officeDocument/2006/relationships" xmlns:p="http://schemas.openxmlformats.org/presentationml/2006/main">
   <p:cSld>
     <p:spTree>
@@ -17043,7 +16674,7 @@
 </p:sld>
 </file>
 
-<file path=ppt/slides/slide48.xml><?xml version="1.0" encoding="utf-8"?>
+<file path=ppt/slides/slide46.xml><?xml version="1.0" encoding="utf-8"?>
 <p:sld xmlns:a="http://schemas.openxmlformats.org/drawingml/2006/main" xmlns:r="http://schemas.openxmlformats.org/officeDocument/2006/relationships" xmlns:p="http://schemas.openxmlformats.org/presentationml/2006/main">
   <p:cSld>
     <p:spTree>
@@ -17510,7 +17141,7 @@
       </p:grpSpPr>
       <p:pic>
         <p:nvPicPr>
-          <p:cNvPr id="5122" name="Picture 2"/>
+          <p:cNvPr id="6146" name="Picture 2"/>
           <p:cNvPicPr>
             <a:picLocks noChangeAspect="1" noChangeArrowheads="1"/>
           </p:cNvPicPr>
@@ -17531,8 +17162,8 @@
         </p:blipFill>
         <p:spPr bwMode="auto">
           <a:xfrm>
-            <a:off x="-27591" y="295836"/>
-            <a:ext cx="9171591" cy="6337487"/>
+            <a:off x="0" y="314901"/>
+            <a:ext cx="9144000" cy="6318421"/>
           </a:xfrm>
           <a:prstGeom prst="rect">
             <a:avLst/>
@@ -17565,7 +17196,7 @@
     </p:spTree>
     <p:extLst>
       <p:ext uri="{BB962C8B-B14F-4D97-AF65-F5344CB8AC3E}">
-        <p14:creationId xmlns:p14="http://schemas.microsoft.com/office/powerpoint/2010/main" val="48447123"/>
+        <p14:creationId xmlns:p14="http://schemas.microsoft.com/office/powerpoint/2010/main" val="2236819981"/>
       </p:ext>
     </p:extLst>
   </p:cSld>
